--- a/Resources/ConsumingRustBite2.pptx
+++ b/Resources/ConsumingRustBite2.pptx
@@ -7,14 +7,16 @@
   <p:sldIdLst>
     <p:sldId id="256" r:id="rId2"/>
     <p:sldId id="258" r:id="rId3"/>
-    <p:sldId id="259" r:id="rId4"/>
-    <p:sldId id="260" r:id="rId5"/>
-    <p:sldId id="262" r:id="rId6"/>
-    <p:sldId id="263" r:id="rId7"/>
-    <p:sldId id="261" r:id="rId8"/>
-    <p:sldId id="266" r:id="rId9"/>
-    <p:sldId id="267" r:id="rId10"/>
-    <p:sldId id="265" r:id="rId11"/>
+    <p:sldId id="304" r:id="rId4"/>
+    <p:sldId id="342" r:id="rId5"/>
+    <p:sldId id="343" r:id="rId6"/>
+    <p:sldId id="344" r:id="rId7"/>
+    <p:sldId id="349" r:id="rId8"/>
+    <p:sldId id="350" r:id="rId9"/>
+    <p:sldId id="341" r:id="rId10"/>
+    <p:sldId id="266" r:id="rId11"/>
+    <p:sldId id="267" r:id="rId12"/>
+    <p:sldId id="265" r:id="rId13"/>
   </p:sldIdLst>
   <p:sldSz cx="12192000" cy="6858000"/>
   <p:notesSz cx="6858000" cy="9144000"/>
@@ -3481,18 +3483,18 @@
       </p:grpSpPr>
       <p:sp>
         <p:nvSpPr>
-          <p:cNvPr id="4" name="Title 3">
-            <a:extLst>
-              <a:ext uri="{FF2B5EF4-FFF2-40B4-BE49-F238E27FC236}">
-                <a16:creationId xmlns:a16="http://schemas.microsoft.com/office/drawing/2014/main" id="{5ACF11D8-D89D-4587-AEE3-7AA091098762}"/>
-              </a:ext>
-            </a:extLst>
-          </p:cNvPr>
-          <p:cNvSpPr>
-            <a:spLocks noGrp="1"/>
-          </p:cNvSpPr>
-          <p:nvPr>
-            <p:ph type="ctrTitle"/>
+          <p:cNvPr id="2" name="Title 1">
+            <a:extLst>
+              <a:ext uri="{FF2B5EF4-FFF2-40B4-BE49-F238E27FC236}">
+                <a16:creationId xmlns:a16="http://schemas.microsoft.com/office/drawing/2014/main" id="{7F0CE10D-C01F-4FD4-AFE5-306FB297B9FF}"/>
+              </a:ext>
+            </a:extLst>
+          </p:cNvPr>
+          <p:cNvSpPr>
+            <a:spLocks noGrp="1"/>
+          </p:cNvSpPr>
+          <p:nvPr>
+            <p:ph type="title"/>
           </p:nvPr>
         </p:nvSpPr>
         <p:spPr/>
@@ -3502,49 +3504,87 @@
           <a:p>
             <a:r>
               <a:rPr lang="en-US" dirty="0"/>
-              <a:t>That’s all until Bite #2</a:t>
-            </a:r>
-          </a:p>
-        </p:txBody>
-      </p:sp>
-      <p:sp>
-        <p:nvSpPr>
-          <p:cNvPr id="5" name="Subtitle 4">
-            <a:extLst>
-              <a:ext uri="{FF2B5EF4-FFF2-40B4-BE49-F238E27FC236}">
-                <a16:creationId xmlns:a16="http://schemas.microsoft.com/office/drawing/2014/main" id="{1C178C3B-A2B6-497F-A2F8-7A4B374223CE}"/>
-              </a:ext>
-            </a:extLst>
-          </p:cNvPr>
-          <p:cNvSpPr>
-            <a:spLocks noGrp="1"/>
-          </p:cNvSpPr>
-          <p:nvPr>
-            <p:ph type="subTitle" idx="1"/>
-          </p:nvPr>
-        </p:nvSpPr>
-        <p:spPr>
-          <a:xfrm>
-            <a:off x="1524000" y="4097350"/>
-            <a:ext cx="9144000" cy="1160449"/>
-          </a:xfrm>
-        </p:spPr>
-        <p:txBody>
-          <a:bodyPr/>
-          <a:lstStyle/>
-          <a:p>
-            <a:pPr algn="l"/>
-            <a:r>
-              <a:rPr lang="en-US" dirty="0"/>
-              <a:t>Bite #2 illustrates undefined behavior with C++ code, showing us why we need Rust.</a:t>
-            </a:r>
+              <a:t>Exercises</a:t>
+            </a:r>
+          </a:p>
+        </p:txBody>
+      </p:sp>
+      <p:sp>
+        <p:nvSpPr>
+          <p:cNvPr id="3" name="Content Placeholder 2">
+            <a:extLst>
+              <a:ext uri="{FF2B5EF4-FFF2-40B4-BE49-F238E27FC236}">
+                <a16:creationId xmlns:a16="http://schemas.microsoft.com/office/drawing/2014/main" id="{49306ABE-6D69-46F0-B377-6E7F742C683B}"/>
+              </a:ext>
+            </a:extLst>
+          </p:cNvPr>
+          <p:cNvSpPr>
+            <a:spLocks noGrp="1"/>
+          </p:cNvSpPr>
+          <p:nvPr>
+            <p:ph idx="1"/>
+          </p:nvPr>
+        </p:nvSpPr>
+        <p:spPr/>
+        <p:txBody>
+          <a:bodyPr/>
+          <a:lstStyle/>
+          <a:p>
+            <a:pPr marL="514350" indent="-514350">
+              <a:buFont typeface="+mj-lt"/>
+              <a:buAutoNum type="arabicPeriod"/>
+            </a:pPr>
+            <a:r>
+              <a:rPr lang="en-US" dirty="0"/>
+              <a:t>Create a Rust array of integers – attempt to index out of bounds.</a:t>
+            </a:r>
+          </a:p>
+          <a:p>
+            <a:pPr lvl="2"/>
+            <a:r>
+              <a:rPr lang="en-US" dirty="0"/>
+              <a:t>What is the advantage of Rust panic over C++ allowed access?</a:t>
+            </a:r>
+          </a:p>
+          <a:p>
+            <a:pPr marL="514350" indent="-514350">
+              <a:buFont typeface="+mj-lt"/>
+              <a:buAutoNum type="arabicPeriod"/>
+            </a:pPr>
+            <a:r>
+              <a:rPr lang="en-US" dirty="0"/>
+              <a:t>Explain the difference between references in C++ and Rust?</a:t>
+            </a:r>
+          </a:p>
+          <a:p>
+            <a:pPr lvl="2"/>
+            <a:r>
+              <a:rPr lang="en-US" dirty="0"/>
+              <a:t>Distinguish between references and pointers.</a:t>
+            </a:r>
+          </a:p>
+          <a:p>
+            <a:pPr marL="514350" indent="-514350">
+              <a:buFont typeface="+mj-lt"/>
+              <a:buAutoNum type="arabicPeriod"/>
+            </a:pPr>
+            <a:r>
+              <a:rPr lang="en-US" dirty="0"/>
+              <a:t>Consult Dr. Google to discover what you can and cannot do with pointers in safe Rust code.</a:t>
+            </a:r>
+          </a:p>
+          <a:p>
+            <a:pPr marL="0" indent="0">
+              <a:buNone/>
+            </a:pPr>
+            <a:endParaRPr lang="en-US" dirty="0"/>
           </a:p>
         </p:txBody>
       </p:sp>
     </p:spTree>
     <p:extLst>
       <p:ext uri="{BB962C8B-B14F-4D97-AF65-F5344CB8AC3E}">
-        <p14:creationId xmlns:p14="http://schemas.microsoft.com/office/powerpoint/2010/main" val="1885980827"/>
+        <p14:creationId xmlns:p14="http://schemas.microsoft.com/office/powerpoint/2010/main" val="889261240"/>
       </p:ext>
     </p:extLst>
   </p:cSld>
@@ -3554,7 +3594,7 @@
 </p:sld>
 </file>
 
-<file path=ppt/slides/slide2.xml><?xml version="1.0" encoding="utf-8"?>
+<file path=ppt/slides/slide11.xml><?xml version="1.0" encoding="utf-8"?>
 <p:sld xmlns:a="http://schemas.openxmlformats.org/drawingml/2006/main" xmlns:r="http://schemas.openxmlformats.org/officeDocument/2006/relationships" xmlns:p="http://schemas.openxmlformats.org/presentationml/2006/main">
   <p:cSld>
     <p:spTree>
@@ -3576,1341 +3616,6 @@
           <p:cNvPr id="2" name="Title 1">
             <a:extLst>
               <a:ext uri="{FF2B5EF4-FFF2-40B4-BE49-F238E27FC236}">
-                <a16:creationId xmlns:a16="http://schemas.microsoft.com/office/drawing/2014/main" id="{1B3C2E89-4964-4F8B-A474-1925CA7751D2}"/>
-              </a:ext>
-            </a:extLst>
-          </p:cNvPr>
-          <p:cNvSpPr>
-            <a:spLocks noGrp="1"/>
-          </p:cNvSpPr>
-          <p:nvPr>
-            <p:ph type="title"/>
-          </p:nvPr>
-        </p:nvSpPr>
-        <p:spPr>
-          <a:xfrm>
-            <a:off x="838200" y="379086"/>
-            <a:ext cx="10515600" cy="720314"/>
-          </a:xfrm>
-        </p:spPr>
-        <p:txBody>
-          <a:bodyPr/>
-          <a:lstStyle/>
-          <a:p>
-            <a:r>
-              <a:rPr lang="en-US" dirty="0"/>
-              <a:t>Bite #2 – Undefined Behavior</a:t>
-            </a:r>
-          </a:p>
-        </p:txBody>
-      </p:sp>
-      <p:sp>
-        <p:nvSpPr>
-          <p:cNvPr id="3" name="Content Placeholder 2">
-            <a:extLst>
-              <a:ext uri="{FF2B5EF4-FFF2-40B4-BE49-F238E27FC236}">
-                <a16:creationId xmlns:a16="http://schemas.microsoft.com/office/drawing/2014/main" id="{404BAA01-8102-4B2E-B20D-F2BDADD7B98B}"/>
-              </a:ext>
-            </a:extLst>
-          </p:cNvPr>
-          <p:cNvSpPr>
-            <a:spLocks noGrp="1"/>
-          </p:cNvSpPr>
-          <p:nvPr>
-            <p:ph idx="1"/>
-          </p:nvPr>
-        </p:nvSpPr>
-        <p:spPr/>
-        <p:txBody>
-          <a:bodyPr/>
-          <a:lstStyle/>
-          <a:p>
-            <a:r>
-              <a:rPr lang="en-US" dirty="0"/>
-              <a:t>Our goal is to observe undefined behavior in C++, and understand why that won’t happen in Rust code:</a:t>
-            </a:r>
-            <a:br>
-              <a:rPr lang="en-US" dirty="0"/>
-            </a:br>
-            <a:endParaRPr lang="en-US" dirty="0"/>
-          </a:p>
-          <a:p>
-            <a:pPr lvl="1"/>
-            <a:r>
-              <a:rPr lang="en-US" dirty="0"/>
-              <a:t>Invalid references</a:t>
-            </a:r>
-          </a:p>
-          <a:p>
-            <a:pPr lvl="1"/>
-            <a:r>
-              <a:rPr lang="en-US" dirty="0"/>
-              <a:t>Indexing out of bounds</a:t>
-            </a:r>
-          </a:p>
-          <a:p>
-            <a:pPr lvl="1"/>
-            <a:r>
-              <a:rPr lang="en-US" dirty="0"/>
-              <a:t>C++ safe by convention</a:t>
-            </a:r>
-          </a:p>
-          <a:p>
-            <a:pPr lvl="1"/>
-            <a:r>
-              <a:rPr lang="en-US" dirty="0"/>
-              <a:t>Rust safe by construction</a:t>
-            </a:r>
-          </a:p>
-        </p:txBody>
-      </p:sp>
-    </p:spTree>
-    <p:extLst>
-      <p:ext uri="{BB962C8B-B14F-4D97-AF65-F5344CB8AC3E}">
-        <p14:creationId xmlns:p14="http://schemas.microsoft.com/office/powerpoint/2010/main" val="400171579"/>
-      </p:ext>
-    </p:extLst>
-  </p:cSld>
-  <p:clrMapOvr>
-    <a:masterClrMapping/>
-  </p:clrMapOvr>
-</p:sld>
-</file>
-
-<file path=ppt/slides/slide3.xml><?xml version="1.0" encoding="utf-8"?>
-<p:sld xmlns:a="http://schemas.openxmlformats.org/drawingml/2006/main" xmlns:r="http://schemas.openxmlformats.org/officeDocument/2006/relationships" xmlns:p="http://schemas.openxmlformats.org/presentationml/2006/main">
-  <p:cSld>
-    <p:spTree>
-      <p:nvGrpSpPr>
-        <p:cNvPr id="1" name=""/>
-        <p:cNvGrpSpPr/>
-        <p:nvPr/>
-      </p:nvGrpSpPr>
-      <p:grpSpPr>
-        <a:xfrm>
-          <a:off x="0" y="0"/>
-          <a:ext cx="0" cy="0"/>
-          <a:chOff x="0" y="0"/>
-          <a:chExt cx="0" cy="0"/>
-        </a:xfrm>
-      </p:grpSpPr>
-      <p:sp>
-        <p:nvSpPr>
-          <p:cNvPr id="2" name="Title 1">
-            <a:extLst>
-              <a:ext uri="{FF2B5EF4-FFF2-40B4-BE49-F238E27FC236}">
-                <a16:creationId xmlns:a16="http://schemas.microsoft.com/office/drawing/2014/main" id="{A00843C5-EA74-48F5-A408-471881062CCD}"/>
-              </a:ext>
-            </a:extLst>
-          </p:cNvPr>
-          <p:cNvSpPr>
-            <a:spLocks noGrp="1"/>
-          </p:cNvSpPr>
-          <p:nvPr>
-            <p:ph type="title"/>
-          </p:nvPr>
-        </p:nvSpPr>
-        <p:spPr/>
-        <p:txBody>
-          <a:bodyPr/>
-          <a:lstStyle/>
-          <a:p>
-            <a:r>
-              <a:rPr lang="en-US" dirty="0"/>
-              <a:t>Bite #1 – Binding to a value</a:t>
-            </a:r>
-          </a:p>
-        </p:txBody>
-      </p:sp>
-      <p:sp>
-        <p:nvSpPr>
-          <p:cNvPr id="3" name="Content Placeholder 2">
-            <a:extLst>
-              <a:ext uri="{FF2B5EF4-FFF2-40B4-BE49-F238E27FC236}">
-                <a16:creationId xmlns:a16="http://schemas.microsoft.com/office/drawing/2014/main" id="{05B05327-6881-4B3B-9A98-BA36132F44F5}"/>
-              </a:ext>
-            </a:extLst>
-          </p:cNvPr>
-          <p:cNvSpPr>
-            <a:spLocks noGrp="1"/>
-          </p:cNvSpPr>
-          <p:nvPr>
-            <p:ph idx="1"/>
-          </p:nvPr>
-        </p:nvSpPr>
-        <p:spPr/>
-        <p:txBody>
-          <a:bodyPr/>
-          <a:lstStyle/>
-          <a:p>
-            <a:r>
-              <a:rPr lang="en-US" dirty="0"/>
-              <a:t>Bind – associate an identifier with a memory location</a:t>
-            </a:r>
-          </a:p>
-          <a:p>
-            <a:pPr lvl="1"/>
-            <a:r>
-              <a:rPr lang="en-US" dirty="0"/>
-              <a:t>Every identifier has a type:</a:t>
-            </a:r>
-          </a:p>
-          <a:p>
-            <a:pPr lvl="2"/>
-            <a:r>
-              <a:rPr lang="en-US" dirty="0">
-                <a:latin typeface="Consolas" panose="020B0609020204030204" pitchFamily="49" charset="0"/>
-              </a:rPr>
-              <a:t>let k : i32 = 42;</a:t>
-            </a:r>
-          </a:p>
-          <a:p>
-            <a:pPr lvl="2"/>
-            <a:r>
-              <a:rPr lang="en-US" dirty="0"/>
-              <a:t>let signifies a binding is being created</a:t>
-            </a:r>
-          </a:p>
-          <a:p>
-            <a:pPr lvl="2"/>
-            <a:r>
-              <a:rPr lang="en-US" dirty="0">
-                <a:latin typeface="Consolas" panose="020B0609020204030204" pitchFamily="49" charset="0"/>
-              </a:rPr>
-              <a:t>i32</a:t>
-            </a:r>
-            <a:r>
-              <a:rPr lang="en-US" dirty="0"/>
-              <a:t> is the type of a 32 bit integer</a:t>
-            </a:r>
-          </a:p>
-          <a:p>
-            <a:pPr lvl="2"/>
-            <a:r>
-              <a:rPr lang="en-US" dirty="0"/>
-              <a:t>42 is a value placed in the memory location associated with k</a:t>
-            </a:r>
-          </a:p>
-          <a:p>
-            <a:pPr lvl="1"/>
-            <a:r>
-              <a:rPr lang="en-US" dirty="0"/>
-              <a:t>A type is a set of legal values with associated operations.</a:t>
-            </a:r>
-          </a:p>
-          <a:p>
-            <a:pPr lvl="1"/>
-            <a:r>
-              <a:rPr lang="en-US" dirty="0"/>
-              <a:t>Type inference:</a:t>
-            </a:r>
-          </a:p>
-          <a:p>
-            <a:pPr lvl="2"/>
-            <a:r>
-              <a:rPr lang="en-US" dirty="0">
-                <a:latin typeface="Consolas" panose="020B0609020204030204" pitchFamily="49" charset="0"/>
-              </a:rPr>
-              <a:t>let k = 42; </a:t>
-            </a:r>
-          </a:p>
-          <a:p>
-            <a:pPr lvl="2"/>
-            <a:r>
-              <a:rPr lang="en-US" dirty="0"/>
-              <a:t>This binding is legal and has the same meaning as the previous binding.</a:t>
-            </a:r>
-          </a:p>
-          <a:p>
-            <a:pPr lvl="2"/>
-            <a:r>
-              <a:rPr lang="en-US" dirty="0"/>
-              <a:t>In lieu of other information, Rust will assign the type </a:t>
-            </a:r>
-            <a:r>
-              <a:rPr lang="en-US" sz="1800" dirty="0">
-                <a:latin typeface="Consolas" panose="020B0609020204030204" pitchFamily="49" charset="0"/>
-              </a:rPr>
-              <a:t>i32</a:t>
-            </a:r>
-            <a:r>
-              <a:rPr lang="en-US" dirty="0"/>
-              <a:t> to any unadorned integral value that can be correctly written to a </a:t>
-            </a:r>
-            <a:r>
-              <a:rPr lang="en-US" sz="1800" dirty="0"/>
-              <a:t>32</a:t>
-            </a:r>
-            <a:r>
-              <a:rPr lang="en-US" dirty="0"/>
-              <a:t> bit location.</a:t>
-            </a:r>
-          </a:p>
-        </p:txBody>
-      </p:sp>
-    </p:spTree>
-    <p:extLst>
-      <p:ext uri="{BB962C8B-B14F-4D97-AF65-F5344CB8AC3E}">
-        <p14:creationId xmlns:p14="http://schemas.microsoft.com/office/powerpoint/2010/main" val="2798764758"/>
-      </p:ext>
-    </p:extLst>
-  </p:cSld>
-  <p:clrMapOvr>
-    <a:masterClrMapping/>
-  </p:clrMapOvr>
-</p:sld>
-</file>
-
-<file path=ppt/slides/slide4.xml><?xml version="1.0" encoding="utf-8"?>
-<p:sld xmlns:a="http://schemas.openxmlformats.org/drawingml/2006/main" xmlns:r="http://schemas.openxmlformats.org/officeDocument/2006/relationships" xmlns:p="http://schemas.openxmlformats.org/presentationml/2006/main">
-  <p:cSld>
-    <p:spTree>
-      <p:nvGrpSpPr>
-        <p:cNvPr id="1" name=""/>
-        <p:cNvGrpSpPr/>
-        <p:nvPr/>
-      </p:nvGrpSpPr>
-      <p:grpSpPr>
-        <a:xfrm>
-          <a:off x="0" y="0"/>
-          <a:ext cx="0" cy="0"/>
-          <a:chOff x="0" y="0"/>
-          <a:chExt cx="0" cy="0"/>
-        </a:xfrm>
-      </p:grpSpPr>
-      <p:sp>
-        <p:nvSpPr>
-          <p:cNvPr id="2" name="Title 1">
-            <a:extLst>
-              <a:ext uri="{FF2B5EF4-FFF2-40B4-BE49-F238E27FC236}">
-                <a16:creationId xmlns:a16="http://schemas.microsoft.com/office/drawing/2014/main" id="{45BA9A27-5DBD-45F1-817C-8689100FE808}"/>
-              </a:ext>
-            </a:extLst>
-          </p:cNvPr>
-          <p:cNvSpPr>
-            <a:spLocks noGrp="1"/>
-          </p:cNvSpPr>
-          <p:nvPr>
-            <p:ph type="title"/>
-          </p:nvPr>
-        </p:nvSpPr>
-        <p:spPr/>
-        <p:txBody>
-          <a:bodyPr/>
-          <a:lstStyle/>
-          <a:p>
-            <a:r>
-              <a:rPr lang="en-US" dirty="0"/>
-              <a:t>Bite #1 – Binding to an identifier</a:t>
-            </a:r>
-          </a:p>
-        </p:txBody>
-      </p:sp>
-      <p:sp>
-        <p:nvSpPr>
-          <p:cNvPr id="3" name="Content Placeholder 2">
-            <a:extLst>
-              <a:ext uri="{FF2B5EF4-FFF2-40B4-BE49-F238E27FC236}">
-                <a16:creationId xmlns:a16="http://schemas.microsoft.com/office/drawing/2014/main" id="{C9DD7204-7B74-4B5D-A3EC-497809D78976}"/>
-              </a:ext>
-            </a:extLst>
-          </p:cNvPr>
-          <p:cNvSpPr>
-            <a:spLocks noGrp="1"/>
-          </p:cNvSpPr>
-          <p:nvPr>
-            <p:ph idx="1"/>
-          </p:nvPr>
-        </p:nvSpPr>
-        <p:spPr/>
-        <p:txBody>
-          <a:bodyPr/>
-          <a:lstStyle/>
-          <a:p>
-            <a:r>
-              <a:rPr lang="en-US" dirty="0"/>
-              <a:t>Binding to an identifier has several forms:</a:t>
-            </a:r>
-          </a:p>
-          <a:p>
-            <a:pPr lvl="1"/>
-            <a:r>
-              <a:rPr lang="en-US" sz="2000" dirty="0">
-                <a:latin typeface="Consolas" panose="020B0609020204030204" pitchFamily="49" charset="0"/>
-              </a:rPr>
-              <a:t>let j:i32 = k;  // makes copy because k is blittable</a:t>
-            </a:r>
-          </a:p>
-          <a:p>
-            <a:pPr lvl="1"/>
-            <a:r>
-              <a:rPr lang="en-US" sz="2000" dirty="0">
-                <a:latin typeface="Consolas" panose="020B0609020204030204" pitchFamily="49" charset="0"/>
-              </a:rPr>
-              <a:t>let l = &amp;k;	 // l makes reference to k, called a borrow</a:t>
-            </a:r>
-          </a:p>
-          <a:p>
-            <a:pPr lvl="1"/>
-            <a:r>
-              <a:rPr lang="en-US" sz="2000" dirty="0">
-                <a:latin typeface="Consolas" panose="020B0609020204030204" pitchFamily="49" charset="0"/>
-              </a:rPr>
-              <a:t>let s:String = “a string”.</a:t>
-            </a:r>
-            <a:r>
-              <a:rPr lang="en-US" sz="2000" dirty="0" err="1">
-                <a:latin typeface="Consolas" panose="020B0609020204030204" pitchFamily="49" charset="0"/>
-              </a:rPr>
-              <a:t>into_string</a:t>
-            </a:r>
-            <a:r>
-              <a:rPr lang="en-US" sz="2000" dirty="0">
-                <a:latin typeface="Consolas" panose="020B0609020204030204" pitchFamily="49" charset="0"/>
-              </a:rPr>
-              <a:t>();</a:t>
-            </a:r>
-          </a:p>
-          <a:p>
-            <a:pPr lvl="1"/>
-            <a:r>
-              <a:rPr lang="en-US" sz="2000" dirty="0">
-                <a:latin typeface="Consolas" panose="020B0609020204030204" pitchFamily="49" charset="0"/>
-              </a:rPr>
-              <a:t>let t = s;	 // moves s into t, e.g., transfers ownership</a:t>
-            </a:r>
-            <a:br>
-              <a:rPr lang="en-US" sz="2000" dirty="0">
-                <a:latin typeface="Consolas" panose="020B0609020204030204" pitchFamily="49" charset="0"/>
-              </a:rPr>
-            </a:br>
-            <a:r>
-              <a:rPr lang="en-US" sz="2000" dirty="0">
-                <a:latin typeface="Consolas" panose="020B0609020204030204" pitchFamily="49" charset="0"/>
-              </a:rPr>
-              <a:t> 			 // because s is not blittable</a:t>
-            </a:r>
-            <a:br>
-              <a:rPr lang="en-US" sz="2000" dirty="0">
-                <a:latin typeface="Consolas" panose="020B0609020204030204" pitchFamily="49" charset="0"/>
-              </a:rPr>
-            </a:br>
-            <a:endParaRPr lang="en-US" sz="2000" dirty="0">
-              <a:latin typeface="Consolas" panose="020B0609020204030204" pitchFamily="49" charset="0"/>
-            </a:endParaRPr>
-          </a:p>
-          <a:p>
-            <a:r>
-              <a:rPr lang="en-US" sz="2400" dirty="0">
-                <a:latin typeface="Consolas" panose="020B0609020204030204" pitchFamily="49" charset="0"/>
-              </a:rPr>
-              <a:t>Blittable</a:t>
-            </a:r>
-          </a:p>
-          <a:p>
-            <a:pPr lvl="1"/>
-            <a:r>
-              <a:rPr lang="en-US" sz="2000" dirty="0">
-                <a:latin typeface="Consolas" panose="020B0609020204030204" pitchFamily="49" charset="0"/>
-              </a:rPr>
-              <a:t>A blittable type occupies a single contiguous block of memory, and so can be correctly copied to a new location with a single </a:t>
-            </a:r>
-            <a:r>
-              <a:rPr lang="en-US" sz="2000" dirty="0" err="1">
-                <a:latin typeface="Consolas" panose="020B0609020204030204" pitchFamily="49" charset="0"/>
-              </a:rPr>
-              <a:t>memcpy</a:t>
-            </a:r>
-            <a:r>
-              <a:rPr lang="en-US" sz="2000" dirty="0">
-                <a:latin typeface="Consolas" panose="020B0609020204030204" pitchFamily="49" charset="0"/>
-              </a:rPr>
-              <a:t>.</a:t>
-            </a:r>
-          </a:p>
-          <a:p>
-            <a:pPr lvl="1"/>
-            <a:r>
-              <a:rPr lang="en-US" sz="2000" dirty="0">
-                <a:latin typeface="Consolas" panose="020B0609020204030204" pitchFamily="49" charset="0"/>
-              </a:rPr>
-              <a:t>Non-blittable types occupy more than one memory location, usually one contiguous block on the stack and one or more blocks on the heap.</a:t>
-            </a:r>
-          </a:p>
-          <a:p>
-            <a:pPr lvl="2"/>
-            <a:r>
-              <a:rPr lang="en-US" sz="1600" dirty="0">
-                <a:latin typeface="Consolas" panose="020B0609020204030204" pitchFamily="49" charset="0"/>
-              </a:rPr>
-              <a:t>Non-blittable types cannot be successfully copied with a single </a:t>
-            </a:r>
-            <a:r>
-              <a:rPr lang="en-US" sz="1600" dirty="0" err="1">
-                <a:latin typeface="Consolas" panose="020B0609020204030204" pitchFamily="49" charset="0"/>
-              </a:rPr>
-              <a:t>memcpy</a:t>
-            </a:r>
-            <a:r>
-              <a:rPr lang="en-US" sz="1600" dirty="0">
-                <a:latin typeface="Consolas" panose="020B0609020204030204" pitchFamily="49" charset="0"/>
-              </a:rPr>
-              <a:t> operation.</a:t>
-            </a:r>
-          </a:p>
-        </p:txBody>
-      </p:sp>
-    </p:spTree>
-    <p:extLst>
-      <p:ext uri="{BB962C8B-B14F-4D97-AF65-F5344CB8AC3E}">
-        <p14:creationId xmlns:p14="http://schemas.microsoft.com/office/powerpoint/2010/main" val="763148159"/>
-      </p:ext>
-    </p:extLst>
-  </p:cSld>
-  <p:clrMapOvr>
-    <a:masterClrMapping/>
-  </p:clrMapOvr>
-</p:sld>
-</file>
-
-<file path=ppt/slides/slide5.xml><?xml version="1.0" encoding="utf-8"?>
-<p:sld xmlns:a="http://schemas.openxmlformats.org/drawingml/2006/main" xmlns:r="http://schemas.openxmlformats.org/officeDocument/2006/relationships" xmlns:p="http://schemas.openxmlformats.org/presentationml/2006/main">
-  <p:cSld>
-    <p:spTree>
-      <p:nvGrpSpPr>
-        <p:cNvPr id="1" name=""/>
-        <p:cNvGrpSpPr/>
-        <p:nvPr/>
-      </p:nvGrpSpPr>
-      <p:grpSpPr>
-        <a:xfrm>
-          <a:off x="0" y="0"/>
-          <a:ext cx="0" cy="0"/>
-          <a:chOff x="0" y="0"/>
-          <a:chExt cx="0" cy="0"/>
-        </a:xfrm>
-      </p:grpSpPr>
-      <p:sp>
-        <p:nvSpPr>
-          <p:cNvPr id="2" name="Title 1">
-            <a:extLst>
-              <a:ext uri="{FF2B5EF4-FFF2-40B4-BE49-F238E27FC236}">
-                <a16:creationId xmlns:a16="http://schemas.microsoft.com/office/drawing/2014/main" id="{EE6ECBFE-112A-4502-A0C3-F0340882F4AE}"/>
-              </a:ext>
-            </a:extLst>
-          </p:cNvPr>
-          <p:cNvSpPr>
-            <a:spLocks noGrp="1"/>
-          </p:cNvSpPr>
-          <p:nvPr>
-            <p:ph type="title"/>
-          </p:nvPr>
-        </p:nvSpPr>
-        <p:spPr/>
-        <p:txBody>
-          <a:bodyPr/>
-          <a:lstStyle/>
-          <a:p>
-            <a:r>
-              <a:rPr lang="en-US" dirty="0"/>
-              <a:t>Bite #1 - Ownership</a:t>
-            </a:r>
-          </a:p>
-        </p:txBody>
-      </p:sp>
-      <p:sp>
-        <p:nvSpPr>
-          <p:cNvPr id="3" name="Content Placeholder 2">
-            <a:extLst>
-              <a:ext uri="{FF2B5EF4-FFF2-40B4-BE49-F238E27FC236}">
-                <a16:creationId xmlns:a16="http://schemas.microsoft.com/office/drawing/2014/main" id="{C8089FCC-05AB-42D4-A7AC-7C6903DCE40C}"/>
-              </a:ext>
-            </a:extLst>
-          </p:cNvPr>
-          <p:cNvSpPr>
-            <a:spLocks noGrp="1"/>
-          </p:cNvSpPr>
-          <p:nvPr>
-            <p:ph idx="1"/>
-          </p:nvPr>
-        </p:nvSpPr>
-        <p:spPr/>
-        <p:txBody>
-          <a:bodyPr/>
-          <a:lstStyle/>
-          <a:p>
-            <a:r>
-              <a:rPr lang="en-US" dirty="0"/>
-              <a:t>Ownership in Rust is an interesting concept.</a:t>
-            </a:r>
-            <a:br>
-              <a:rPr lang="en-US" dirty="0"/>
-            </a:br>
-            <a:endParaRPr lang="en-US" dirty="0"/>
-          </a:p>
-          <a:p>
-            <a:pPr lvl="1"/>
-            <a:r>
-              <a:rPr lang="en-US" dirty="0"/>
-              <a:t>In Rust, data has one, and only one owner.</a:t>
-            </a:r>
-          </a:p>
-          <a:p>
-            <a:pPr lvl="1"/>
-            <a:r>
-              <a:rPr lang="en-US" dirty="0"/>
-              <a:t>Ownership can be borrowed or transferred.</a:t>
-            </a:r>
-          </a:p>
-          <a:p>
-            <a:pPr lvl="1"/>
-            <a:r>
-              <a:rPr lang="en-US" dirty="0"/>
-              <a:t>There are rules about ownership that we discuss in Bite #3.</a:t>
-            </a:r>
-          </a:p>
-          <a:p>
-            <a:pPr lvl="1"/>
-            <a:r>
-              <a:rPr lang="en-US" dirty="0"/>
-              <a:t>Following Rust’s ownership rules makes Rust code memory-safe.</a:t>
-            </a:r>
-          </a:p>
-          <a:p>
-            <a:pPr lvl="2"/>
-            <a:r>
-              <a:rPr lang="en-US" dirty="0"/>
-              <a:t>Enforced by </a:t>
-            </a:r>
-            <a:r>
-              <a:rPr lang="en-US" dirty="0" err="1"/>
-              <a:t>rustc</a:t>
-            </a:r>
-            <a:r>
-              <a:rPr lang="en-US" dirty="0"/>
-              <a:t>, the Rust compiler</a:t>
-            </a:r>
-          </a:p>
-          <a:p>
-            <a:pPr lvl="1"/>
-            <a:r>
-              <a:rPr lang="en-US" dirty="0"/>
-              <a:t>The rules also make Rust code free from data races</a:t>
-            </a:r>
-          </a:p>
-          <a:p>
-            <a:pPr lvl="2"/>
-            <a:r>
-              <a:rPr lang="en-US" dirty="0"/>
-              <a:t>Rust will not compile code that is shared between threads unless it is guarded by a lock.</a:t>
-            </a:r>
-          </a:p>
-          <a:p>
-            <a:pPr lvl="2"/>
-            <a:r>
-              <a:rPr lang="en-US" dirty="0"/>
-              <a:t>That, combined with single-ownership, ensures ordered access to shared data, one thread at a time. </a:t>
-            </a:r>
-          </a:p>
-        </p:txBody>
-      </p:sp>
-    </p:spTree>
-    <p:extLst>
-      <p:ext uri="{BB962C8B-B14F-4D97-AF65-F5344CB8AC3E}">
-        <p14:creationId xmlns:p14="http://schemas.microsoft.com/office/powerpoint/2010/main" val="3436325856"/>
-      </p:ext>
-    </p:extLst>
-  </p:cSld>
-  <p:clrMapOvr>
-    <a:masterClrMapping/>
-  </p:clrMapOvr>
-</p:sld>
-</file>
-
-<file path=ppt/slides/slide6.xml><?xml version="1.0" encoding="utf-8"?>
-<p:sld xmlns:a="http://schemas.openxmlformats.org/drawingml/2006/main" xmlns:r="http://schemas.openxmlformats.org/officeDocument/2006/relationships" xmlns:p="http://schemas.openxmlformats.org/presentationml/2006/main">
-  <p:cSld>
-    <p:spTree>
-      <p:nvGrpSpPr>
-        <p:cNvPr id="1" name=""/>
-        <p:cNvGrpSpPr/>
-        <p:nvPr/>
-      </p:nvGrpSpPr>
-      <p:grpSpPr>
-        <a:xfrm>
-          <a:off x="0" y="0"/>
-          <a:ext cx="0" cy="0"/>
-          <a:chOff x="0" y="0"/>
-          <a:chExt cx="0" cy="0"/>
-        </a:xfrm>
-      </p:grpSpPr>
-      <p:sp>
-        <p:nvSpPr>
-          <p:cNvPr id="2" name="Title 1">
-            <a:extLst>
-              <a:ext uri="{FF2B5EF4-FFF2-40B4-BE49-F238E27FC236}">
-                <a16:creationId xmlns:a16="http://schemas.microsoft.com/office/drawing/2014/main" id="{DD93A7AE-A338-423D-B60E-2DEB9B0D4E44}"/>
-              </a:ext>
-            </a:extLst>
-          </p:cNvPr>
-          <p:cNvSpPr>
-            <a:spLocks noGrp="1"/>
-          </p:cNvSpPr>
-          <p:nvPr>
-            <p:ph type="title"/>
-          </p:nvPr>
-        </p:nvSpPr>
-        <p:spPr/>
-        <p:txBody>
-          <a:bodyPr/>
-          <a:lstStyle/>
-          <a:p>
-            <a:r>
-              <a:rPr lang="en-US" dirty="0"/>
-              <a:t>Bite #1 – Copy and Borrow</a:t>
-            </a:r>
-          </a:p>
-        </p:txBody>
-      </p:sp>
-      <p:sp>
-        <p:nvSpPr>
-          <p:cNvPr id="3" name="Content Placeholder 2">
-            <a:extLst>
-              <a:ext uri="{FF2B5EF4-FFF2-40B4-BE49-F238E27FC236}">
-                <a16:creationId xmlns:a16="http://schemas.microsoft.com/office/drawing/2014/main" id="{36A66C96-71A1-4321-B63F-D1EC6AC84296}"/>
-              </a:ext>
-            </a:extLst>
-          </p:cNvPr>
-          <p:cNvSpPr>
-            <a:spLocks noGrp="1"/>
-          </p:cNvSpPr>
-          <p:nvPr>
-            <p:ph idx="1"/>
-          </p:nvPr>
-        </p:nvSpPr>
-        <p:spPr/>
-        <p:txBody>
-          <a:bodyPr/>
-          <a:lstStyle/>
-          <a:p>
-            <a:r>
-              <a:rPr lang="en-US" dirty="0"/>
-              <a:t>A copy operation can occur only for values that satisfy the Copy trait.</a:t>
-            </a:r>
-          </a:p>
-          <a:p>
-            <a:pPr lvl="1"/>
-            <a:r>
-              <a:rPr lang="en-US" dirty="0"/>
-              <a:t>A trait is, like an interface, a specification of a contract.  Copy contract requires Rust code, when binding, to copy data with that trait.</a:t>
-            </a:r>
-            <a:endParaRPr lang="en-US" dirty="0">
-              <a:latin typeface="Consolas" panose="020B0609020204030204" pitchFamily="49" charset="0"/>
-            </a:endParaRPr>
-          </a:p>
-          <a:p>
-            <a:pPr lvl="1"/>
-            <a:r>
-              <a:rPr lang="en-US" dirty="0"/>
-              <a:t>To satisfy Copy, the data must be blittable.</a:t>
-            </a:r>
-          </a:p>
-          <a:p>
-            <a:pPr lvl="1"/>
-            <a:r>
-              <a:rPr lang="en-US" dirty="0"/>
-              <a:t>Copies happen implicitly when an identifier is bound to a Copy type.</a:t>
-            </a:r>
-          </a:p>
-          <a:p>
-            <a:pPr lvl="2"/>
-            <a:r>
-              <a:rPr lang="en-US" dirty="0">
-                <a:latin typeface="Consolas" panose="020B0609020204030204" pitchFamily="49" charset="0"/>
-              </a:rPr>
-              <a:t>let i = 3;  let j = i;  // copy</a:t>
-            </a:r>
-          </a:p>
-          <a:p>
-            <a:r>
-              <a:rPr lang="en-US" dirty="0">
-                <a:latin typeface="Consolas" panose="020B0609020204030204" pitchFamily="49" charset="0"/>
-              </a:rPr>
-              <a:t>Borrows - binding references to other identifiers</a:t>
-            </a:r>
-          </a:p>
-          <a:p>
-            <a:pPr lvl="1"/>
-            <a:r>
-              <a:rPr lang="en-US" dirty="0">
-                <a:latin typeface="Consolas" panose="020B0609020204030204" pitchFamily="49" charset="0"/>
-              </a:rPr>
-              <a:t>A reference is a safe pointer to the bound memory location.</a:t>
-            </a:r>
-          </a:p>
-          <a:p>
-            <a:pPr lvl="2"/>
-            <a:r>
-              <a:rPr lang="en-US" dirty="0">
-                <a:latin typeface="Consolas" panose="020B0609020204030204" pitchFamily="49" charset="0"/>
-              </a:rPr>
-              <a:t>let r = &amp;i; </a:t>
-            </a:r>
-          </a:p>
-        </p:txBody>
-      </p:sp>
-    </p:spTree>
-    <p:extLst>
-      <p:ext uri="{BB962C8B-B14F-4D97-AF65-F5344CB8AC3E}">
-        <p14:creationId xmlns:p14="http://schemas.microsoft.com/office/powerpoint/2010/main" val="1594759476"/>
-      </p:ext>
-    </p:extLst>
-  </p:cSld>
-  <p:clrMapOvr>
-    <a:masterClrMapping/>
-  </p:clrMapOvr>
-</p:sld>
-</file>
-
-<file path=ppt/slides/slide7.xml><?xml version="1.0" encoding="utf-8"?>
-<p:sld xmlns:a="http://schemas.openxmlformats.org/drawingml/2006/main" xmlns:r="http://schemas.openxmlformats.org/officeDocument/2006/relationships" xmlns:p="http://schemas.openxmlformats.org/presentationml/2006/main">
-  <p:cSld>
-    <p:spTree>
-      <p:nvGrpSpPr>
-        <p:cNvPr id="1" name=""/>
-        <p:cNvGrpSpPr/>
-        <p:nvPr/>
-      </p:nvGrpSpPr>
-      <p:grpSpPr>
-        <a:xfrm>
-          <a:off x="0" y="0"/>
-          <a:ext cx="0" cy="0"/>
-          <a:chOff x="0" y="0"/>
-          <a:chExt cx="0" cy="0"/>
-        </a:xfrm>
-      </p:grpSpPr>
-      <p:sp>
-        <p:nvSpPr>
-          <p:cNvPr id="2" name="Title 1">
-            <a:extLst>
-              <a:ext uri="{FF2B5EF4-FFF2-40B4-BE49-F238E27FC236}">
-                <a16:creationId xmlns:a16="http://schemas.microsoft.com/office/drawing/2014/main" id="{72D9AD15-3145-48ED-8FFA-201AF201B1C8}"/>
-              </a:ext>
-            </a:extLst>
-          </p:cNvPr>
-          <p:cNvSpPr>
-            <a:spLocks noGrp="1"/>
-          </p:cNvSpPr>
-          <p:nvPr>
-            <p:ph type="title"/>
-          </p:nvPr>
-        </p:nvSpPr>
-        <p:spPr/>
-        <p:txBody>
-          <a:bodyPr/>
-          <a:lstStyle/>
-          <a:p>
-            <a:r>
-              <a:rPr lang="en-US" dirty="0"/>
-              <a:t>Bite #1 – Move and Clone</a:t>
-            </a:r>
-          </a:p>
-        </p:txBody>
-      </p:sp>
-      <p:pic>
-        <p:nvPicPr>
-          <p:cNvPr id="7" name="Picture 6" descr="A screenshot of a cell phone&#10;&#10;Description automatically generated">
-            <a:extLst>
-              <a:ext uri="{FF2B5EF4-FFF2-40B4-BE49-F238E27FC236}">
-                <a16:creationId xmlns:a16="http://schemas.microsoft.com/office/drawing/2014/main" id="{9536CF63-797E-427A-809D-F01E69547F2B}"/>
-              </a:ext>
-            </a:extLst>
-          </p:cNvPr>
-          <p:cNvPicPr>
-            <a:picLocks noChangeAspect="1"/>
-          </p:cNvPicPr>
-          <p:nvPr/>
-        </p:nvPicPr>
-        <p:blipFill>
-          <a:blip r:embed="rId2">
-            <a:extLst>
-              <a:ext uri="{28A0092B-C50C-407E-A947-70E740481C1C}">
-                <a14:useLocalDpi xmlns:a14="http://schemas.microsoft.com/office/drawing/2010/main" val="0"/>
-              </a:ext>
-            </a:extLst>
-          </a:blip>
-          <a:stretch>
-            <a:fillRect/>
-          </a:stretch>
-        </p:blipFill>
-        <p:spPr>
-          <a:xfrm>
-            <a:off x="7290751" y="3313183"/>
-            <a:ext cx="3992248" cy="2860118"/>
-          </a:xfrm>
-          <a:prstGeom prst="rect">
-            <a:avLst/>
-          </a:prstGeom>
-        </p:spPr>
-      </p:pic>
-      <p:sp>
-        <p:nvSpPr>
-          <p:cNvPr id="8" name="TextBox 7">
-            <a:extLst>
-              <a:ext uri="{FF2B5EF4-FFF2-40B4-BE49-F238E27FC236}">
-                <a16:creationId xmlns:a16="http://schemas.microsoft.com/office/drawing/2014/main" id="{6237F669-E42A-487D-8D15-3F3243539AE6}"/>
-              </a:ext>
-            </a:extLst>
-          </p:cNvPr>
-          <p:cNvSpPr txBox="1"/>
-          <p:nvPr/>
-        </p:nvSpPr>
-        <p:spPr>
-          <a:xfrm>
-            <a:off x="893460" y="1277368"/>
-            <a:ext cx="6326490" cy="4562788"/>
-          </a:xfrm>
-          <a:prstGeom prst="rect">
-            <a:avLst/>
-          </a:prstGeom>
-          <a:noFill/>
-        </p:spPr>
-        <p:txBody>
-          <a:bodyPr wrap="square" rtlCol="0">
-            <a:spAutoFit/>
-          </a:bodyPr>
-          <a:lstStyle/>
-          <a:p>
-            <a:pPr marL="342900" indent="-342900">
-              <a:buFont typeface="Arial" panose="020B0604020202020204" pitchFamily="34" charset="0"/>
-              <a:buChar char="•"/>
-            </a:pPr>
-            <a:r>
-              <a:rPr lang="en-US" sz="2400" dirty="0"/>
-              <a:t>A move transfers a Move type’s heap resources to another instance of that type</a:t>
-            </a:r>
-          </a:p>
-          <a:p>
-            <a:pPr marL="800100" lvl="1" indent="-342900">
-              <a:buFont typeface="Arial" panose="020B0604020202020204" pitchFamily="34" charset="0"/>
-              <a:buChar char="•"/>
-            </a:pPr>
-            <a:r>
-              <a:rPr lang="en-US" sz="2400" dirty="0"/>
-              <a:t>The string, s, shown in the top diagram is moved to t with the statement:</a:t>
-            </a:r>
-          </a:p>
-          <a:p>
-            <a:pPr marL="1257300" lvl="2" indent="-342900">
-              <a:buFont typeface="Arial" panose="020B0604020202020204" pitchFamily="34" charset="0"/>
-              <a:buChar char="•"/>
-            </a:pPr>
-            <a:r>
-              <a:rPr lang="en-US" sz="2000" dirty="0">
-                <a:latin typeface="Consolas" panose="020B0609020204030204" pitchFamily="49" charset="0"/>
-              </a:rPr>
-              <a:t>let t = s;</a:t>
-            </a:r>
-          </a:p>
-          <a:p>
-            <a:pPr marL="800100" lvl="1" indent="-342900">
-              <a:buFont typeface="Arial" panose="020B0604020202020204" pitchFamily="34" charset="0"/>
-              <a:buChar char="•"/>
-            </a:pPr>
-            <a:r>
-              <a:rPr lang="en-US" sz="2400" dirty="0"/>
-              <a:t>Move transfers ownership of resources.</a:t>
-            </a:r>
-            <a:br>
-              <a:rPr lang="en-US" sz="2400" dirty="0"/>
-            </a:br>
-            <a:endParaRPr lang="en-US" sz="1050" dirty="0"/>
-          </a:p>
-          <a:p>
-            <a:pPr marL="342900" indent="-342900">
-              <a:buFont typeface="Arial" panose="020B0604020202020204" pitchFamily="34" charset="0"/>
-              <a:buChar char="•"/>
-            </a:pPr>
-            <a:r>
-              <a:rPr lang="en-US" sz="2400" dirty="0"/>
-              <a:t>A clone copies a Move type’s heap resources</a:t>
-            </a:r>
-            <a:br>
-              <a:rPr lang="en-US" sz="2400" dirty="0"/>
-            </a:br>
-            <a:r>
-              <a:rPr lang="en-US" sz="2400" dirty="0"/>
-              <a:t>to a new instance of that type.</a:t>
-            </a:r>
-          </a:p>
-          <a:p>
-            <a:pPr marL="800100" lvl="1" indent="-342900">
-              <a:buFont typeface="Arial" panose="020B0604020202020204" pitchFamily="34" charset="0"/>
-              <a:buChar char="•"/>
-            </a:pPr>
-            <a:r>
-              <a:rPr lang="en-US" sz="2400" dirty="0"/>
-              <a:t>The string s, shown in the bottom diagram is cloned with the statement:</a:t>
-            </a:r>
-          </a:p>
-          <a:p>
-            <a:pPr marL="1257300" lvl="2" indent="-342900">
-              <a:buFont typeface="Arial" panose="020B0604020202020204" pitchFamily="34" charset="0"/>
-              <a:buChar char="•"/>
-            </a:pPr>
-            <a:r>
-              <a:rPr lang="en-US" sz="2000" dirty="0">
-                <a:latin typeface="Consolas" panose="020B0609020204030204" pitchFamily="49" charset="0"/>
-              </a:rPr>
-              <a:t>let t = </a:t>
-            </a:r>
-            <a:r>
-              <a:rPr lang="en-US" sz="2000" dirty="0" err="1">
-                <a:latin typeface="Consolas" panose="020B0609020204030204" pitchFamily="49" charset="0"/>
-              </a:rPr>
-              <a:t>s.clone</a:t>
-            </a:r>
-            <a:r>
-              <a:rPr lang="en-US" sz="2000" dirty="0">
-                <a:latin typeface="Consolas" panose="020B0609020204030204" pitchFamily="49" charset="0"/>
-              </a:rPr>
-              <a:t>();</a:t>
-            </a:r>
-          </a:p>
-          <a:p>
-            <a:pPr marL="800100" lvl="1" indent="-342900">
-              <a:buFont typeface="Arial" panose="020B0604020202020204" pitchFamily="34" charset="0"/>
-              <a:buChar char="•"/>
-            </a:pPr>
-            <a:r>
-              <a:rPr lang="en-US" sz="2400" dirty="0"/>
-              <a:t>Clone operation copies resources to target.</a:t>
-            </a:r>
-          </a:p>
-        </p:txBody>
-      </p:sp>
-      <p:pic>
-        <p:nvPicPr>
-          <p:cNvPr id="9" name="Content Placeholder 8" descr="A screenshot of a cell phone&#10;&#10;Description automatically generated">
-            <a:extLst>
-              <a:ext uri="{FF2B5EF4-FFF2-40B4-BE49-F238E27FC236}">
-                <a16:creationId xmlns:a16="http://schemas.microsoft.com/office/drawing/2014/main" id="{B6FD3C6D-99D5-4250-AD79-D1606D05C338}"/>
-              </a:ext>
-            </a:extLst>
-          </p:cNvPr>
-          <p:cNvPicPr>
-            <a:picLocks noGrp="1" noChangeAspect="1"/>
-          </p:cNvPicPr>
-          <p:nvPr>
-            <p:ph idx="1"/>
-          </p:nvPr>
-        </p:nvPicPr>
-        <p:blipFill>
-          <a:blip r:embed="rId3">
-            <a:extLst>
-              <a:ext uri="{28A0092B-C50C-407E-A947-70E740481C1C}">
-                <a14:useLocalDpi xmlns:a14="http://schemas.microsoft.com/office/drawing/2010/main" val="0"/>
-              </a:ext>
-            </a:extLst>
-          </a:blip>
-          <a:stretch>
-            <a:fillRect/>
-          </a:stretch>
-        </p:blipFill>
-        <p:spPr>
-          <a:xfrm>
-            <a:off x="7022032" y="354179"/>
-            <a:ext cx="4260967" cy="2959004"/>
-          </a:xfrm>
-        </p:spPr>
-      </p:pic>
-      <p:sp>
-        <p:nvSpPr>
-          <p:cNvPr id="11" name="TextBox 10">
-            <a:extLst>
-              <a:ext uri="{FF2B5EF4-FFF2-40B4-BE49-F238E27FC236}">
-                <a16:creationId xmlns:a16="http://schemas.microsoft.com/office/drawing/2014/main" id="{21B45595-CCBB-477A-A699-B260A46CAB43}"/>
-              </a:ext>
-            </a:extLst>
-          </p:cNvPr>
-          <p:cNvSpPr txBox="1"/>
-          <p:nvPr/>
-        </p:nvSpPr>
-        <p:spPr>
-          <a:xfrm>
-            <a:off x="10383559" y="2197016"/>
-            <a:ext cx="970241" cy="369332"/>
-          </a:xfrm>
-          <a:prstGeom prst="rect">
-            <a:avLst/>
-          </a:prstGeom>
-          <a:solidFill>
-            <a:schemeClr val="bg1"/>
-          </a:solidFill>
-          <a:ln w="12700">
-            <a:solidFill>
-              <a:schemeClr val="tx1"/>
-            </a:solidFill>
-          </a:ln>
-        </p:spPr>
-        <p:txBody>
-          <a:bodyPr wrap="square" rtlCol="0">
-            <a:spAutoFit/>
-          </a:bodyPr>
-          <a:lstStyle/>
-          <a:p>
-            <a:pPr algn="ctr"/>
-            <a:r>
-              <a:rPr lang="en-US" dirty="0"/>
-              <a:t>Move</a:t>
-            </a:r>
-          </a:p>
-        </p:txBody>
-      </p:sp>
-      <p:sp>
-        <p:nvSpPr>
-          <p:cNvPr id="12" name="TextBox 11">
-            <a:extLst>
-              <a:ext uri="{FF2B5EF4-FFF2-40B4-BE49-F238E27FC236}">
-                <a16:creationId xmlns:a16="http://schemas.microsoft.com/office/drawing/2014/main" id="{4DE9586C-5DDB-4EBD-9AED-D4DCC5CEC8A6}"/>
-              </a:ext>
-            </a:extLst>
-          </p:cNvPr>
-          <p:cNvSpPr txBox="1"/>
-          <p:nvPr/>
-        </p:nvSpPr>
-        <p:spPr>
-          <a:xfrm>
-            <a:off x="10383559" y="5176185"/>
-            <a:ext cx="970241" cy="369332"/>
-          </a:xfrm>
-          <a:prstGeom prst="rect">
-            <a:avLst/>
-          </a:prstGeom>
-          <a:solidFill>
-            <a:schemeClr val="bg1"/>
-          </a:solidFill>
-          <a:ln w="12700">
-            <a:solidFill>
-              <a:schemeClr val="tx1"/>
-            </a:solidFill>
-          </a:ln>
-        </p:spPr>
-        <p:txBody>
-          <a:bodyPr wrap="square" rtlCol="0">
-            <a:spAutoFit/>
-          </a:bodyPr>
-          <a:lstStyle/>
-          <a:p>
-            <a:pPr algn="ctr"/>
-            <a:r>
-              <a:rPr lang="en-US" dirty="0"/>
-              <a:t>Clone</a:t>
-            </a:r>
-          </a:p>
-        </p:txBody>
-      </p:sp>
-    </p:spTree>
-    <p:extLst>
-      <p:ext uri="{BB962C8B-B14F-4D97-AF65-F5344CB8AC3E}">
-        <p14:creationId xmlns:p14="http://schemas.microsoft.com/office/powerpoint/2010/main" val="3565984247"/>
-      </p:ext>
-    </p:extLst>
-  </p:cSld>
-  <p:clrMapOvr>
-    <a:masterClrMapping/>
-  </p:clrMapOvr>
-</p:sld>
-</file>
-
-<file path=ppt/slides/slide8.xml><?xml version="1.0" encoding="utf-8"?>
-<p:sld xmlns:a="http://schemas.openxmlformats.org/drawingml/2006/main" xmlns:r="http://schemas.openxmlformats.org/officeDocument/2006/relationships" xmlns:p="http://schemas.openxmlformats.org/presentationml/2006/main">
-  <p:cSld>
-    <p:spTree>
-      <p:nvGrpSpPr>
-        <p:cNvPr id="1" name=""/>
-        <p:cNvGrpSpPr/>
-        <p:nvPr/>
-      </p:nvGrpSpPr>
-      <p:grpSpPr>
-        <a:xfrm>
-          <a:off x="0" y="0"/>
-          <a:ext cx="0" cy="0"/>
-          <a:chOff x="0" y="0"/>
-          <a:chExt cx="0" cy="0"/>
-        </a:xfrm>
-      </p:grpSpPr>
-      <p:sp>
-        <p:nvSpPr>
-          <p:cNvPr id="2" name="Title 1">
-            <a:extLst>
-              <a:ext uri="{FF2B5EF4-FFF2-40B4-BE49-F238E27FC236}">
-                <a16:creationId xmlns:a16="http://schemas.microsoft.com/office/drawing/2014/main" id="{7F0CE10D-C01F-4FD4-AFE5-306FB297B9FF}"/>
-              </a:ext>
-            </a:extLst>
-          </p:cNvPr>
-          <p:cNvSpPr>
-            <a:spLocks noGrp="1"/>
-          </p:cNvSpPr>
-          <p:nvPr>
-            <p:ph type="title"/>
-          </p:nvPr>
-        </p:nvSpPr>
-        <p:spPr/>
-        <p:txBody>
-          <a:bodyPr/>
-          <a:lstStyle/>
-          <a:p>
-            <a:r>
-              <a:rPr lang="en-US" dirty="0"/>
-              <a:t>Exercises</a:t>
-            </a:r>
-          </a:p>
-        </p:txBody>
-      </p:sp>
-      <p:sp>
-        <p:nvSpPr>
-          <p:cNvPr id="3" name="Content Placeholder 2">
-            <a:extLst>
-              <a:ext uri="{FF2B5EF4-FFF2-40B4-BE49-F238E27FC236}">
-                <a16:creationId xmlns:a16="http://schemas.microsoft.com/office/drawing/2014/main" id="{49306ABE-6D69-46F0-B377-6E7F742C683B}"/>
-              </a:ext>
-            </a:extLst>
-          </p:cNvPr>
-          <p:cNvSpPr>
-            <a:spLocks noGrp="1"/>
-          </p:cNvSpPr>
-          <p:nvPr>
-            <p:ph idx="1"/>
-          </p:nvPr>
-        </p:nvSpPr>
-        <p:spPr/>
-        <p:txBody>
-          <a:bodyPr/>
-          <a:lstStyle/>
-          <a:p>
-            <a:pPr marL="514350" indent="-514350">
-              <a:buFont typeface="+mj-lt"/>
-              <a:buAutoNum type="arabicPeriod"/>
-            </a:pPr>
-            <a:r>
-              <a:rPr lang="en-US" dirty="0"/>
-              <a:t>Create an instance of a blittable type and show when it is copied.</a:t>
-            </a:r>
-          </a:p>
-          <a:p>
-            <a:pPr lvl="2"/>
-            <a:r>
-              <a:rPr lang="en-US" dirty="0"/>
-              <a:t>Can you prove that it was copied?</a:t>
-            </a:r>
-          </a:p>
-          <a:p>
-            <a:pPr marL="514350" indent="-514350">
-              <a:buFont typeface="+mj-lt"/>
-              <a:buAutoNum type="arabicPeriod"/>
-            </a:pPr>
-            <a:r>
-              <a:rPr lang="en-US" dirty="0"/>
-              <a:t>Create an instance of a non-blittable type and show when it is moved.</a:t>
-            </a:r>
-          </a:p>
-          <a:p>
-            <a:pPr lvl="2"/>
-            <a:r>
-              <a:rPr lang="en-US" dirty="0"/>
-              <a:t>Can you prove that it was moved?</a:t>
-            </a:r>
-          </a:p>
-          <a:p>
-            <a:pPr marL="514350" indent="-514350">
-              <a:buFont typeface="+mj-lt"/>
-              <a:buAutoNum type="arabicPeriod"/>
-            </a:pPr>
-            <a:r>
-              <a:rPr lang="en-US" dirty="0"/>
-              <a:t>Repeat the second exercise but clone the non-blittable type before moving it.  Show that the clone is valid while the move source is not valid.</a:t>
-            </a:r>
-          </a:p>
-          <a:p>
-            <a:pPr marL="0" indent="0">
-              <a:buNone/>
-            </a:pPr>
-            <a:r>
-              <a:rPr lang="en-US" dirty="0"/>
-              <a:t>Hint:</a:t>
-            </a:r>
-          </a:p>
-          <a:p>
-            <a:pPr lvl="1"/>
-            <a:r>
-              <a:rPr lang="en-US" dirty="0"/>
-              <a:t>Integral types, chars, and floating-point types are blittable</a:t>
-            </a:r>
-          </a:p>
-          <a:p>
-            <a:pPr lvl="1"/>
-            <a:r>
-              <a:rPr lang="en-US" dirty="0"/>
-              <a:t>Strings, </a:t>
-            </a:r>
-            <a:r>
-              <a:rPr lang="en-US" dirty="0" err="1"/>
-              <a:t>Vecs</a:t>
-            </a:r>
-            <a:r>
-              <a:rPr lang="en-US" dirty="0"/>
-              <a:t>, </a:t>
-            </a:r>
-            <a:r>
-              <a:rPr lang="en-US" dirty="0" err="1"/>
-              <a:t>VecDeques</a:t>
-            </a:r>
-            <a:r>
-              <a:rPr lang="en-US" dirty="0"/>
-              <a:t>, and Maps are non-blittable.</a:t>
-            </a:r>
-          </a:p>
-          <a:p>
-            <a:endParaRPr lang="en-US" dirty="0"/>
-          </a:p>
-        </p:txBody>
-      </p:sp>
-    </p:spTree>
-    <p:extLst>
-      <p:ext uri="{BB962C8B-B14F-4D97-AF65-F5344CB8AC3E}">
-        <p14:creationId xmlns:p14="http://schemas.microsoft.com/office/powerpoint/2010/main" val="889261240"/>
-      </p:ext>
-    </p:extLst>
-  </p:cSld>
-  <p:clrMapOvr>
-    <a:masterClrMapping/>
-  </p:clrMapOvr>
-</p:sld>
-</file>
-
-<file path=ppt/slides/slide9.xml><?xml version="1.0" encoding="utf-8"?>
-<p:sld xmlns:a="http://schemas.openxmlformats.org/drawingml/2006/main" xmlns:r="http://schemas.openxmlformats.org/officeDocument/2006/relationships" xmlns:p="http://schemas.openxmlformats.org/presentationml/2006/main">
-  <p:cSld>
-    <p:spTree>
-      <p:nvGrpSpPr>
-        <p:cNvPr id="1" name=""/>
-        <p:cNvGrpSpPr/>
-        <p:nvPr/>
-      </p:nvGrpSpPr>
-      <p:grpSpPr>
-        <a:xfrm>
-          <a:off x="0" y="0"/>
-          <a:ext cx="0" cy="0"/>
-          <a:chOff x="0" y="0"/>
-          <a:chExt cx="0" cy="0"/>
-        </a:xfrm>
-      </p:grpSpPr>
-      <p:sp>
-        <p:nvSpPr>
-          <p:cNvPr id="2" name="Title 1">
-            <a:extLst>
-              <a:ext uri="{FF2B5EF4-FFF2-40B4-BE49-F238E27FC236}">
                 <a16:creationId xmlns:a16="http://schemas.microsoft.com/office/drawing/2014/main" id="{58AC9723-8DE0-4A3D-B6AD-724FC3DCD5C8}"/>
               </a:ext>
             </a:extLst>
@@ -4950,14 +3655,14 @@
             <p:ph idx="1"/>
             <p:extLst>
               <p:ext uri="{D42A27DB-BD31-4B8C-83A1-F6EECF244321}">
-                <p14:modId xmlns:p14="http://schemas.microsoft.com/office/powerpoint/2010/main" val="1681421273"/>
+                <p14:modId xmlns:p14="http://schemas.microsoft.com/office/powerpoint/2010/main" val="3237559640"/>
               </p:ext>
             </p:extLst>
           </p:nvPr>
         </p:nvGraphicFramePr>
         <p:xfrm>
           <a:off x="838200" y="1341438"/>
-          <a:ext cx="10515600" cy="1483360"/>
+          <a:ext cx="10515600" cy="1854200"/>
         </p:xfrm>
         <a:graphic>
           <a:graphicData uri="http://schemas.openxmlformats.org/drawingml/2006/table">
@@ -4966,14 +3671,14 @@
                 <a:tableStyleId>{F5AB1C69-6EDB-4FF4-983F-18BD219EF322}</a:tableStyleId>
               </a:tblPr>
               <a:tblGrid>
-                <a:gridCol w="3831522">
+                <a:gridCol w="3698899">
                   <a:extLst>
                     <a:ext uri="{9D8B030D-6E8A-4147-A177-3AD203B41FA5}">
                       <a16:colId xmlns:a16="http://schemas.microsoft.com/office/drawing/2014/main" val="129708743"/>
                     </a:ext>
                   </a:extLst>
                 </a:gridCol>
-                <a:gridCol w="6684078">
+                <a:gridCol w="6816701">
                   <a:extLst>
                     <a:ext uri="{9D8B030D-6E8A-4147-A177-3AD203B41FA5}">
                       <a16:colId xmlns:a16="http://schemas.microsoft.com/office/drawing/2014/main" val="2429944823"/>
@@ -5022,14 +3727,11 @@
                     <a:p>
                       <a:r>
                         <a:rPr lang="en-US" dirty="0">
-                          <a:hlinkClick r:id="rId2" action="ppaction://hlinkfile"/>
+                          <a:hlinkClick r:id="rId2"/>
                         </a:rPr>
-                        <a:t>ConsumingRustBite2</a:t>
+                        <a:t>ConsumingRustBite1 - Data</a:t>
                       </a:r>
-                      <a:r>
-                        <a:rPr lang="en-US" dirty="0"/>
-                        <a:t> - UDB</a:t>
-                      </a:r>
+                      <a:endParaRPr lang="en-US" dirty="0"/>
                     </a:p>
                   </a:txBody>
                   <a:tcPr/>
@@ -5041,7 +3743,43 @@
                     <a:p>
                       <a:r>
                         <a:rPr lang="en-US" dirty="0"/>
-                        <a:t>Undefined behavior – example from C++ code</a:t>
+                        <a:t>Bind, Copy, Move, and Clone</a:t>
+                      </a:r>
+                    </a:p>
+                  </a:txBody>
+                  <a:tcPr/>
+                </a:tc>
+                <a:extLst>
+                  <a:ext uri="{0D108BD9-81ED-4DB2-BD59-A6C34878D82A}">
+                    <a16:rowId xmlns:a16="http://schemas.microsoft.com/office/drawing/2014/main" val="2904999008"/>
+                  </a:ext>
+                </a:extLst>
+              </a:tr>
+              <a:tr h="370840">
+                <a:tc>
+                  <a:txBody>
+                    <a:bodyPr/>
+                    <a:lstStyle/>
+                    <a:p>
+                      <a:r>
+                        <a:rPr lang="en-US" dirty="0">
+                          <a:hlinkClick r:id="rId3"/>
+                        </a:rPr>
+                        <a:t>ConsumingRustBite3 - Ownership</a:t>
+                      </a:r>
+                      <a:endParaRPr lang="en-US" dirty="0"/>
+                    </a:p>
+                  </a:txBody>
+                  <a:tcPr/>
+                </a:tc>
+                <a:tc>
+                  <a:txBody>
+                    <a:bodyPr/>
+                    <a:lstStyle/>
+                    <a:p>
+                      <a:r>
+                        <a:rPr lang="en-US" dirty="0"/>
+                        <a:t>Single owner, borrow</a:t>
                       </a:r>
                     </a:p>
                   </a:txBody>
@@ -5061,9 +3799,9 @@
                     <a:p>
                       <a:r>
                         <a:rPr lang="en-US" dirty="0">
-                          <a:hlinkClick r:id="rId3"/>
+                          <a:hlinkClick r:id="rId4"/>
                         </a:rPr>
-                        <a:t>Rust Story - Data</a:t>
+                        <a:t>Rust Models</a:t>
                       </a:r>
                       <a:endParaRPr lang="en-US" dirty="0"/>
                     </a:p>
@@ -5077,8 +3815,13 @@
                     <a:p>
                       <a:r>
                         <a:rPr lang="en-US" dirty="0"/>
-                        <a:t>Expanded discussion in Rust Story</a:t>
+                        <a:t>Expanded discussion in Rust </a:t>
                       </a:r>
+                      <a:r>
+                        <a:rPr lang="en-US"/>
+                        <a:t>Models presentation</a:t>
+                      </a:r>
+                      <a:endParaRPr lang="en-US" dirty="0"/>
                     </a:p>
                   </a:txBody>
                   <a:tcPr/>
@@ -5095,7 +3838,7 @@
                     <a:bodyPr/>
                     <a:lstStyle/>
                     <a:p>
-                      <a:endParaRPr lang="en-US"/>
+                      <a:endParaRPr lang="en-US" dirty="0"/>
                     </a:p>
                   </a:txBody>
                   <a:tcPr/>
@@ -5124,6 +3867,1477 @@
     <p:extLst>
       <p:ext uri="{BB962C8B-B14F-4D97-AF65-F5344CB8AC3E}">
         <p14:creationId xmlns:p14="http://schemas.microsoft.com/office/powerpoint/2010/main" val="1851004617"/>
+      </p:ext>
+    </p:extLst>
+  </p:cSld>
+  <p:clrMapOvr>
+    <a:masterClrMapping/>
+  </p:clrMapOvr>
+</p:sld>
+</file>
+
+<file path=ppt/slides/slide12.xml><?xml version="1.0" encoding="utf-8"?>
+<p:sld xmlns:a="http://schemas.openxmlformats.org/drawingml/2006/main" xmlns:r="http://schemas.openxmlformats.org/officeDocument/2006/relationships" xmlns:p="http://schemas.openxmlformats.org/presentationml/2006/main">
+  <p:cSld>
+    <p:spTree>
+      <p:nvGrpSpPr>
+        <p:cNvPr id="1" name=""/>
+        <p:cNvGrpSpPr/>
+        <p:nvPr/>
+      </p:nvGrpSpPr>
+      <p:grpSpPr>
+        <a:xfrm>
+          <a:off x="0" y="0"/>
+          <a:ext cx="0" cy="0"/>
+          <a:chOff x="0" y="0"/>
+          <a:chExt cx="0" cy="0"/>
+        </a:xfrm>
+      </p:grpSpPr>
+      <p:sp>
+        <p:nvSpPr>
+          <p:cNvPr id="4" name="Title 3">
+            <a:extLst>
+              <a:ext uri="{FF2B5EF4-FFF2-40B4-BE49-F238E27FC236}">
+                <a16:creationId xmlns:a16="http://schemas.microsoft.com/office/drawing/2014/main" id="{5ACF11D8-D89D-4587-AEE3-7AA091098762}"/>
+              </a:ext>
+            </a:extLst>
+          </p:cNvPr>
+          <p:cNvSpPr>
+            <a:spLocks noGrp="1"/>
+          </p:cNvSpPr>
+          <p:nvPr>
+            <p:ph type="ctrTitle"/>
+          </p:nvPr>
+        </p:nvSpPr>
+        <p:spPr/>
+        <p:txBody>
+          <a:bodyPr/>
+          <a:lstStyle/>
+          <a:p>
+            <a:r>
+              <a:rPr lang="en-US" dirty="0"/>
+              <a:t>That’s all until Bite #3</a:t>
+            </a:r>
+          </a:p>
+        </p:txBody>
+      </p:sp>
+      <p:sp>
+        <p:nvSpPr>
+          <p:cNvPr id="5" name="Subtitle 4">
+            <a:extLst>
+              <a:ext uri="{FF2B5EF4-FFF2-40B4-BE49-F238E27FC236}">
+                <a16:creationId xmlns:a16="http://schemas.microsoft.com/office/drawing/2014/main" id="{1C178C3B-A2B6-497F-A2F8-7A4B374223CE}"/>
+              </a:ext>
+            </a:extLst>
+          </p:cNvPr>
+          <p:cNvSpPr>
+            <a:spLocks noGrp="1"/>
+          </p:cNvSpPr>
+          <p:nvPr>
+            <p:ph type="subTitle" idx="1"/>
+          </p:nvPr>
+        </p:nvSpPr>
+        <p:spPr>
+          <a:xfrm>
+            <a:off x="1524000" y="4097350"/>
+            <a:ext cx="9144000" cy="1160449"/>
+          </a:xfrm>
+        </p:spPr>
+        <p:txBody>
+          <a:bodyPr/>
+          <a:lstStyle/>
+          <a:p>
+            <a:pPr algn="l"/>
+            <a:r>
+              <a:rPr lang="en-US" dirty="0"/>
+              <a:t>Bite #3 introduces Rust’s ownership model.  That’s what makes Rust a safe language.</a:t>
+            </a:r>
+          </a:p>
+        </p:txBody>
+      </p:sp>
+    </p:spTree>
+    <p:extLst>
+      <p:ext uri="{BB962C8B-B14F-4D97-AF65-F5344CB8AC3E}">
+        <p14:creationId xmlns:p14="http://schemas.microsoft.com/office/powerpoint/2010/main" val="1885980827"/>
+      </p:ext>
+    </p:extLst>
+  </p:cSld>
+  <p:clrMapOvr>
+    <a:masterClrMapping/>
+  </p:clrMapOvr>
+</p:sld>
+</file>
+
+<file path=ppt/slides/slide2.xml><?xml version="1.0" encoding="utf-8"?>
+<p:sld xmlns:a="http://schemas.openxmlformats.org/drawingml/2006/main" xmlns:r="http://schemas.openxmlformats.org/officeDocument/2006/relationships" xmlns:p="http://schemas.openxmlformats.org/presentationml/2006/main">
+  <p:cSld>
+    <p:spTree>
+      <p:nvGrpSpPr>
+        <p:cNvPr id="1" name=""/>
+        <p:cNvGrpSpPr/>
+        <p:nvPr/>
+      </p:nvGrpSpPr>
+      <p:grpSpPr>
+        <a:xfrm>
+          <a:off x="0" y="0"/>
+          <a:ext cx="0" cy="0"/>
+          <a:chOff x="0" y="0"/>
+          <a:chExt cx="0" cy="0"/>
+        </a:xfrm>
+      </p:grpSpPr>
+      <p:sp>
+        <p:nvSpPr>
+          <p:cNvPr id="2" name="Title 1">
+            <a:extLst>
+              <a:ext uri="{FF2B5EF4-FFF2-40B4-BE49-F238E27FC236}">
+                <a16:creationId xmlns:a16="http://schemas.microsoft.com/office/drawing/2014/main" id="{1B3C2E89-4964-4F8B-A474-1925CA7751D2}"/>
+              </a:ext>
+            </a:extLst>
+          </p:cNvPr>
+          <p:cNvSpPr>
+            <a:spLocks noGrp="1"/>
+          </p:cNvSpPr>
+          <p:nvPr>
+            <p:ph type="title"/>
+          </p:nvPr>
+        </p:nvSpPr>
+        <p:spPr>
+          <a:xfrm>
+            <a:off x="838200" y="379086"/>
+            <a:ext cx="10515600" cy="720314"/>
+          </a:xfrm>
+        </p:spPr>
+        <p:txBody>
+          <a:bodyPr/>
+          <a:lstStyle/>
+          <a:p>
+            <a:r>
+              <a:rPr lang="en-US" dirty="0"/>
+              <a:t>Bite #2 – Undefined Behavior</a:t>
+            </a:r>
+          </a:p>
+        </p:txBody>
+      </p:sp>
+      <p:sp>
+        <p:nvSpPr>
+          <p:cNvPr id="3" name="Content Placeholder 2">
+            <a:extLst>
+              <a:ext uri="{FF2B5EF4-FFF2-40B4-BE49-F238E27FC236}">
+                <a16:creationId xmlns:a16="http://schemas.microsoft.com/office/drawing/2014/main" id="{404BAA01-8102-4B2E-B20D-F2BDADD7B98B}"/>
+              </a:ext>
+            </a:extLst>
+          </p:cNvPr>
+          <p:cNvSpPr>
+            <a:spLocks noGrp="1"/>
+          </p:cNvSpPr>
+          <p:nvPr>
+            <p:ph idx="1"/>
+          </p:nvPr>
+        </p:nvSpPr>
+        <p:spPr/>
+        <p:txBody>
+          <a:bodyPr/>
+          <a:lstStyle/>
+          <a:p>
+            <a:r>
+              <a:rPr lang="en-US" dirty="0"/>
+              <a:t>Our goal is to observe undefined behavior in C++, and understand why that won’t happen in Rust code:</a:t>
+            </a:r>
+            <a:br>
+              <a:rPr lang="en-US" dirty="0"/>
+            </a:br>
+            <a:endParaRPr lang="en-US" dirty="0"/>
+          </a:p>
+          <a:p>
+            <a:pPr lvl="1"/>
+            <a:r>
+              <a:rPr lang="en-US" dirty="0"/>
+              <a:t>Invalid references</a:t>
+            </a:r>
+          </a:p>
+          <a:p>
+            <a:pPr lvl="1"/>
+            <a:r>
+              <a:rPr lang="en-US" dirty="0"/>
+              <a:t>Indexing out of bounds</a:t>
+            </a:r>
+          </a:p>
+          <a:p>
+            <a:pPr lvl="1"/>
+            <a:r>
+              <a:rPr lang="en-US" dirty="0"/>
+              <a:t>C++ safe by convention</a:t>
+            </a:r>
+          </a:p>
+          <a:p>
+            <a:pPr lvl="1"/>
+            <a:r>
+              <a:rPr lang="en-US" dirty="0"/>
+              <a:t>Rust safe by construction</a:t>
+            </a:r>
+          </a:p>
+        </p:txBody>
+      </p:sp>
+    </p:spTree>
+    <p:extLst>
+      <p:ext uri="{BB962C8B-B14F-4D97-AF65-F5344CB8AC3E}">
+        <p14:creationId xmlns:p14="http://schemas.microsoft.com/office/powerpoint/2010/main" val="400171579"/>
+      </p:ext>
+    </p:extLst>
+  </p:cSld>
+  <p:clrMapOvr>
+    <a:masterClrMapping/>
+  </p:clrMapOvr>
+</p:sld>
+</file>
+
+<file path=ppt/slides/slide3.xml><?xml version="1.0" encoding="utf-8"?>
+<p:sld xmlns:a="http://schemas.openxmlformats.org/drawingml/2006/main" xmlns:r="http://schemas.openxmlformats.org/officeDocument/2006/relationships" xmlns:p="http://schemas.openxmlformats.org/presentationml/2006/main">
+  <p:cSld>
+    <p:spTree>
+      <p:nvGrpSpPr>
+        <p:cNvPr id="1" name=""/>
+        <p:cNvGrpSpPr/>
+        <p:nvPr/>
+      </p:nvGrpSpPr>
+      <p:grpSpPr>
+        <a:xfrm>
+          <a:off x="0" y="0"/>
+          <a:ext cx="0" cy="0"/>
+          <a:chOff x="0" y="0"/>
+          <a:chExt cx="0" cy="0"/>
+        </a:xfrm>
+      </p:grpSpPr>
+      <p:sp>
+        <p:nvSpPr>
+          <p:cNvPr id="3" name="Content Placeholder 2">
+            <a:extLst>
+              <a:ext uri="{FF2B5EF4-FFF2-40B4-BE49-F238E27FC236}">
+                <a16:creationId xmlns:a16="http://schemas.microsoft.com/office/drawing/2014/main" id="{DA6C7AA0-849A-46D3-9084-A9B3B65B0F42}"/>
+              </a:ext>
+            </a:extLst>
+          </p:cNvPr>
+          <p:cNvSpPr>
+            <a:spLocks noGrp="1"/>
+          </p:cNvSpPr>
+          <p:nvPr>
+            <p:ph idx="1"/>
+          </p:nvPr>
+        </p:nvSpPr>
+        <p:spPr>
+          <a:xfrm>
+            <a:off x="838200" y="1530926"/>
+            <a:ext cx="10515600" cy="4677325"/>
+          </a:xfrm>
+        </p:spPr>
+        <p:txBody>
+          <a:bodyPr>
+            <a:noAutofit/>
+          </a:bodyPr>
+          <a:lstStyle/>
+          <a:p>
+            <a:r>
+              <a:rPr lang="en-US" dirty="0"/>
+              <a:t>A program is well defined if no execution can exhibit undefined behavior.</a:t>
+            </a:r>
+          </a:p>
+          <a:p>
+            <a:r>
+              <a:rPr lang="en-US" dirty="0"/>
+              <a:t>A language is type safe if its type system ensures that every program is well defined.</a:t>
+            </a:r>
+          </a:p>
+          <a:p>
+            <a:r>
+              <a:rPr lang="en-US" dirty="0"/>
+              <a:t>A non-type safe language may introduce undefined behavior with:</a:t>
+            </a:r>
+          </a:p>
+          <a:p>
+            <a:pPr lvl="1"/>
+            <a:r>
+              <a:rPr lang="en-US" dirty="0"/>
+              <a:t>Reference invalidation</a:t>
+            </a:r>
+          </a:p>
+          <a:p>
+            <a:pPr lvl="1"/>
+            <a:r>
+              <a:rPr lang="en-US" dirty="0"/>
+              <a:t>Integer overflow, e.g., wrap-around</a:t>
+            </a:r>
+          </a:p>
+          <a:p>
+            <a:pPr lvl="1"/>
+            <a:r>
+              <a:rPr lang="en-US" dirty="0"/>
+              <a:t>Buffer overflow – out of bounds access</a:t>
+            </a:r>
+          </a:p>
+          <a:p>
+            <a:pPr lvl="1"/>
+            <a:r>
+              <a:rPr lang="en-US" dirty="0"/>
+              <a:t>Use after free – access unowned memory</a:t>
+            </a:r>
+          </a:p>
+          <a:p>
+            <a:pPr lvl="1"/>
+            <a:r>
+              <a:rPr lang="en-US" dirty="0"/>
+              <a:t>Double free – corrupt memory manager</a:t>
+            </a:r>
+          </a:p>
+          <a:p>
+            <a:pPr lvl="1"/>
+            <a:r>
+              <a:rPr lang="en-US" dirty="0"/>
+              <a:t>Race conditions – mutation without exclusive ownership</a:t>
+            </a:r>
+          </a:p>
+        </p:txBody>
+      </p:sp>
+      <p:sp>
+        <p:nvSpPr>
+          <p:cNvPr id="4" name="Slide Number Placeholder 3">
+            <a:extLst>
+              <a:ext uri="{FF2B5EF4-FFF2-40B4-BE49-F238E27FC236}">
+                <a16:creationId xmlns:a16="http://schemas.microsoft.com/office/drawing/2014/main" id="{8B6ABC81-EF6D-4585-A81B-B0BFC98DB572}"/>
+              </a:ext>
+            </a:extLst>
+          </p:cNvPr>
+          <p:cNvSpPr>
+            <a:spLocks noGrp="1"/>
+          </p:cNvSpPr>
+          <p:nvPr>
+            <p:ph type="sldNum" sz="quarter" idx="12"/>
+          </p:nvPr>
+        </p:nvSpPr>
+        <p:spPr/>
+        <p:txBody>
+          <a:bodyPr/>
+          <a:lstStyle/>
+          <a:p>
+            <a:fld id="{519FA752-D1CF-498F-B0BD-05E47309CED3}" type="slidenum">
+              <a:rPr lang="en-US" smtClean="0"/>
+              <a:t>3</a:t>
+            </a:fld>
+            <a:endParaRPr lang="en-US"/>
+          </a:p>
+        </p:txBody>
+      </p:sp>
+      <p:sp>
+        <p:nvSpPr>
+          <p:cNvPr id="8" name="Title 1">
+            <a:extLst>
+              <a:ext uri="{FF2B5EF4-FFF2-40B4-BE49-F238E27FC236}">
+                <a16:creationId xmlns:a16="http://schemas.microsoft.com/office/drawing/2014/main" id="{69F629D5-24C0-49BF-B9D3-2AB393C38C9B}"/>
+              </a:ext>
+            </a:extLst>
+          </p:cNvPr>
+          <p:cNvSpPr txBox="1">
+            <a:spLocks/>
+          </p:cNvSpPr>
+          <p:nvPr/>
+        </p:nvSpPr>
+        <p:spPr>
+          <a:xfrm>
+            <a:off x="838200" y="429519"/>
+            <a:ext cx="10515600" cy="800431"/>
+          </a:xfrm>
+          <a:prstGeom prst="rect">
+            <a:avLst/>
+          </a:prstGeom>
+          <a:solidFill>
+            <a:schemeClr val="bg2"/>
+          </a:solidFill>
+        </p:spPr>
+        <p:txBody>
+          <a:bodyPr vert="horz" lIns="91440" tIns="45720" rIns="91440" bIns="45720" rtlCol="0" anchor="ctr">
+            <a:normAutofit/>
+          </a:bodyPr>
+          <a:lstStyle>
+            <a:lvl1pPr algn="l" defTabSz="914400" rtl="0" eaLnBrk="1" latinLnBrk="0" hangingPunct="1">
+              <a:lnSpc>
+                <a:spcPct val="90000"/>
+              </a:lnSpc>
+              <a:spcBef>
+                <a:spcPct val="0"/>
+              </a:spcBef>
+              <a:buNone/>
+              <a:defRPr sz="4400" kern="1200">
+                <a:solidFill>
+                  <a:schemeClr val="tx1"/>
+                </a:solidFill>
+                <a:latin typeface="+mj-lt"/>
+                <a:ea typeface="+mj-ea"/>
+                <a:cs typeface="+mj-cs"/>
+              </a:defRPr>
+            </a:lvl1pPr>
+          </a:lstStyle>
+          <a:p>
+            <a:r>
+              <a:rPr lang="en-US" dirty="0"/>
+              <a:t>Type Safety	</a:t>
+            </a:r>
+          </a:p>
+        </p:txBody>
+      </p:sp>
+    </p:spTree>
+    <p:extLst>
+      <p:ext uri="{BB962C8B-B14F-4D97-AF65-F5344CB8AC3E}">
+        <p14:creationId xmlns:p14="http://schemas.microsoft.com/office/powerpoint/2010/main" val="874193107"/>
+      </p:ext>
+    </p:extLst>
+  </p:cSld>
+  <p:clrMapOvr>
+    <a:masterClrMapping/>
+  </p:clrMapOvr>
+</p:sld>
+</file>
+
+<file path=ppt/slides/slide4.xml><?xml version="1.0" encoding="utf-8"?>
+<p:sld xmlns:a="http://schemas.openxmlformats.org/drawingml/2006/main" xmlns:r="http://schemas.openxmlformats.org/officeDocument/2006/relationships" xmlns:p="http://schemas.openxmlformats.org/presentationml/2006/main">
+  <p:cSld>
+    <p:spTree>
+      <p:nvGrpSpPr>
+        <p:cNvPr id="1" name=""/>
+        <p:cNvGrpSpPr/>
+        <p:nvPr/>
+      </p:nvGrpSpPr>
+      <p:grpSpPr>
+        <a:xfrm>
+          <a:off x="0" y="0"/>
+          <a:ext cx="0" cy="0"/>
+          <a:chOff x="0" y="0"/>
+          <a:chExt cx="0" cy="0"/>
+        </a:xfrm>
+      </p:grpSpPr>
+      <p:sp>
+        <p:nvSpPr>
+          <p:cNvPr id="8" name="Title 7">
+            <a:extLst>
+              <a:ext uri="{FF2B5EF4-FFF2-40B4-BE49-F238E27FC236}">
+                <a16:creationId xmlns:a16="http://schemas.microsoft.com/office/drawing/2014/main" id="{AFA2D590-D8BB-4C68-BC4F-91C7AA11BAF5}"/>
+              </a:ext>
+            </a:extLst>
+          </p:cNvPr>
+          <p:cNvSpPr>
+            <a:spLocks noGrp="1"/>
+          </p:cNvSpPr>
+          <p:nvPr>
+            <p:ph type="title"/>
+          </p:nvPr>
+        </p:nvSpPr>
+        <p:spPr/>
+        <p:txBody>
+          <a:bodyPr>
+            <a:normAutofit/>
+          </a:bodyPr>
+          <a:lstStyle/>
+          <a:p>
+            <a:r>
+              <a:rPr lang="en-US" sz="4000" dirty="0"/>
+              <a:t>Undefined Behavior – C++ dangling reference</a:t>
+            </a:r>
+          </a:p>
+        </p:txBody>
+      </p:sp>
+      <p:sp>
+        <p:nvSpPr>
+          <p:cNvPr id="4" name="Slide Number Placeholder 3">
+            <a:extLst>
+              <a:ext uri="{FF2B5EF4-FFF2-40B4-BE49-F238E27FC236}">
+                <a16:creationId xmlns:a16="http://schemas.microsoft.com/office/drawing/2014/main" id="{9028F0A8-86EC-408A-9035-0142569262AF}"/>
+              </a:ext>
+            </a:extLst>
+          </p:cNvPr>
+          <p:cNvSpPr>
+            <a:spLocks noGrp="1"/>
+          </p:cNvSpPr>
+          <p:nvPr>
+            <p:ph type="sldNum" sz="quarter" idx="12"/>
+          </p:nvPr>
+        </p:nvSpPr>
+        <p:spPr/>
+        <p:txBody>
+          <a:bodyPr/>
+          <a:lstStyle/>
+          <a:p>
+            <a:fld id="{519FA752-D1CF-498F-B0BD-05E47309CED3}" type="slidenum">
+              <a:rPr lang="en-US" smtClean="0"/>
+              <a:pPr/>
+              <a:t>4</a:t>
+            </a:fld>
+            <a:endParaRPr lang="en-US"/>
+          </a:p>
+        </p:txBody>
+      </p:sp>
+      <p:pic>
+        <p:nvPicPr>
+          <p:cNvPr id="5" name="Picture 4">
+            <a:extLst>
+              <a:ext uri="{FF2B5EF4-FFF2-40B4-BE49-F238E27FC236}">
+                <a16:creationId xmlns:a16="http://schemas.microsoft.com/office/drawing/2014/main" id="{735571C2-98CF-4948-8A3D-8D8666C3ECA8}"/>
+              </a:ext>
+            </a:extLst>
+          </p:cNvPr>
+          <p:cNvPicPr>
+            <a:picLocks noChangeAspect="1"/>
+          </p:cNvPicPr>
+          <p:nvPr/>
+        </p:nvPicPr>
+        <p:blipFill>
+          <a:blip r:embed="rId2"/>
+          <a:stretch>
+            <a:fillRect/>
+          </a:stretch>
+        </p:blipFill>
+        <p:spPr>
+          <a:xfrm>
+            <a:off x="838200" y="1020214"/>
+            <a:ext cx="8465127" cy="5380603"/>
+          </a:xfrm>
+          <a:prstGeom prst="rect">
+            <a:avLst/>
+          </a:prstGeom>
+        </p:spPr>
+      </p:pic>
+      <p:pic>
+        <p:nvPicPr>
+          <p:cNvPr id="3" name="Picture 2">
+            <a:extLst>
+              <a:ext uri="{FF2B5EF4-FFF2-40B4-BE49-F238E27FC236}">
+                <a16:creationId xmlns:a16="http://schemas.microsoft.com/office/drawing/2014/main" id="{21A06BFC-01DD-4637-B5FF-84A937D1B78B}"/>
+              </a:ext>
+            </a:extLst>
+          </p:cNvPr>
+          <p:cNvPicPr>
+            <a:picLocks noChangeAspect="1"/>
+          </p:cNvPicPr>
+          <p:nvPr/>
+        </p:nvPicPr>
+        <p:blipFill>
+          <a:blip r:embed="rId3"/>
+          <a:stretch>
+            <a:fillRect/>
+          </a:stretch>
+        </p:blipFill>
+        <p:spPr>
+          <a:xfrm>
+            <a:off x="5663479" y="3334616"/>
+            <a:ext cx="4817486" cy="2286062"/>
+          </a:xfrm>
+          <a:prstGeom prst="rect">
+            <a:avLst/>
+          </a:prstGeom>
+        </p:spPr>
+      </p:pic>
+    </p:spTree>
+    <p:extLst>
+      <p:ext uri="{BB962C8B-B14F-4D97-AF65-F5344CB8AC3E}">
+        <p14:creationId xmlns:p14="http://schemas.microsoft.com/office/powerpoint/2010/main" val="1559418753"/>
+      </p:ext>
+    </p:extLst>
+  </p:cSld>
+  <p:clrMapOvr>
+    <a:masterClrMapping/>
+  </p:clrMapOvr>
+</p:sld>
+</file>
+
+<file path=ppt/slides/slide5.xml><?xml version="1.0" encoding="utf-8"?>
+<p:sld xmlns:a="http://schemas.openxmlformats.org/drawingml/2006/main" xmlns:r="http://schemas.openxmlformats.org/officeDocument/2006/relationships" xmlns:p="http://schemas.openxmlformats.org/presentationml/2006/main">
+  <p:cSld>
+    <p:spTree>
+      <p:nvGrpSpPr>
+        <p:cNvPr id="1" name=""/>
+        <p:cNvGrpSpPr/>
+        <p:nvPr/>
+      </p:nvGrpSpPr>
+      <p:grpSpPr>
+        <a:xfrm>
+          <a:off x="0" y="0"/>
+          <a:ext cx="0" cy="0"/>
+          <a:chOff x="0" y="0"/>
+          <a:chExt cx="0" cy="0"/>
+        </a:xfrm>
+      </p:grpSpPr>
+      <p:sp>
+        <p:nvSpPr>
+          <p:cNvPr id="2" name="Title 1">
+            <a:extLst>
+              <a:ext uri="{FF2B5EF4-FFF2-40B4-BE49-F238E27FC236}">
+                <a16:creationId xmlns:a16="http://schemas.microsoft.com/office/drawing/2014/main" id="{41888B52-996C-4BA6-8FDC-2034A5E682BB}"/>
+              </a:ext>
+            </a:extLst>
+          </p:cNvPr>
+          <p:cNvSpPr>
+            <a:spLocks noGrp="1"/>
+          </p:cNvSpPr>
+          <p:nvPr>
+            <p:ph type="title"/>
+          </p:nvPr>
+        </p:nvSpPr>
+        <p:spPr/>
+        <p:txBody>
+          <a:bodyPr>
+            <a:noAutofit/>
+          </a:bodyPr>
+          <a:lstStyle/>
+          <a:p>
+            <a:r>
+              <a:rPr lang="en-US" sz="4000" dirty="0"/>
+              <a:t>Undefined Behavior – C++ index out of bounds</a:t>
+            </a:r>
+          </a:p>
+        </p:txBody>
+      </p:sp>
+      <p:sp>
+        <p:nvSpPr>
+          <p:cNvPr id="3" name="Slide Number Placeholder 2">
+            <a:extLst>
+              <a:ext uri="{FF2B5EF4-FFF2-40B4-BE49-F238E27FC236}">
+                <a16:creationId xmlns:a16="http://schemas.microsoft.com/office/drawing/2014/main" id="{02524FD7-7F17-4C50-B074-8D079BE1E900}"/>
+              </a:ext>
+            </a:extLst>
+          </p:cNvPr>
+          <p:cNvSpPr>
+            <a:spLocks noGrp="1"/>
+          </p:cNvSpPr>
+          <p:nvPr>
+            <p:ph type="sldNum" sz="quarter" idx="12"/>
+          </p:nvPr>
+        </p:nvSpPr>
+        <p:spPr/>
+        <p:txBody>
+          <a:bodyPr/>
+          <a:lstStyle/>
+          <a:p>
+            <a:fld id="{519FA752-D1CF-498F-B0BD-05E47309CED3}" type="slidenum">
+              <a:rPr lang="en-US" smtClean="0"/>
+              <a:pPr/>
+              <a:t>5</a:t>
+            </a:fld>
+            <a:endParaRPr lang="en-US"/>
+          </a:p>
+        </p:txBody>
+      </p:sp>
+      <p:pic>
+        <p:nvPicPr>
+          <p:cNvPr id="4" name="Picture 3">
+            <a:extLst>
+              <a:ext uri="{FF2B5EF4-FFF2-40B4-BE49-F238E27FC236}">
+                <a16:creationId xmlns:a16="http://schemas.microsoft.com/office/drawing/2014/main" id="{87E4AD75-A4F6-491D-B065-B4C2AD3E6182}"/>
+              </a:ext>
+            </a:extLst>
+          </p:cNvPr>
+          <p:cNvPicPr>
+            <a:picLocks noChangeAspect="1"/>
+          </p:cNvPicPr>
+          <p:nvPr/>
+        </p:nvPicPr>
+        <p:blipFill>
+          <a:blip r:embed="rId2"/>
+          <a:stretch>
+            <a:fillRect/>
+          </a:stretch>
+        </p:blipFill>
+        <p:spPr>
+          <a:xfrm>
+            <a:off x="838200" y="1301455"/>
+            <a:ext cx="8271164" cy="5054895"/>
+          </a:xfrm>
+          <a:prstGeom prst="rect">
+            <a:avLst/>
+          </a:prstGeom>
+        </p:spPr>
+      </p:pic>
+      <p:pic>
+        <p:nvPicPr>
+          <p:cNvPr id="5" name="Picture 4">
+            <a:extLst>
+              <a:ext uri="{FF2B5EF4-FFF2-40B4-BE49-F238E27FC236}">
+                <a16:creationId xmlns:a16="http://schemas.microsoft.com/office/drawing/2014/main" id="{E4B95170-0000-4BAE-B529-D52E7E60046D}"/>
+              </a:ext>
+            </a:extLst>
+          </p:cNvPr>
+          <p:cNvPicPr>
+            <a:picLocks noChangeAspect="1"/>
+          </p:cNvPicPr>
+          <p:nvPr/>
+        </p:nvPicPr>
+        <p:blipFill>
+          <a:blip r:embed="rId3"/>
+          <a:stretch>
+            <a:fillRect/>
+          </a:stretch>
+        </p:blipFill>
+        <p:spPr>
+          <a:xfrm>
+            <a:off x="4627852" y="3429000"/>
+            <a:ext cx="6318368" cy="2436236"/>
+          </a:xfrm>
+          <a:prstGeom prst="rect">
+            <a:avLst/>
+          </a:prstGeom>
+        </p:spPr>
+      </p:pic>
+    </p:spTree>
+    <p:extLst>
+      <p:ext uri="{BB962C8B-B14F-4D97-AF65-F5344CB8AC3E}">
+        <p14:creationId xmlns:p14="http://schemas.microsoft.com/office/powerpoint/2010/main" val="1539297119"/>
+      </p:ext>
+    </p:extLst>
+  </p:cSld>
+  <p:clrMapOvr>
+    <a:masterClrMapping/>
+  </p:clrMapOvr>
+</p:sld>
+</file>
+
+<file path=ppt/slides/slide6.xml><?xml version="1.0" encoding="utf-8"?>
+<p:sld xmlns:a="http://schemas.openxmlformats.org/drawingml/2006/main" xmlns:r="http://schemas.openxmlformats.org/officeDocument/2006/relationships" xmlns:p="http://schemas.openxmlformats.org/presentationml/2006/main">
+  <p:cSld>
+    <p:spTree>
+      <p:nvGrpSpPr>
+        <p:cNvPr id="1" name=""/>
+        <p:cNvGrpSpPr/>
+        <p:nvPr/>
+      </p:nvGrpSpPr>
+      <p:grpSpPr>
+        <a:xfrm>
+          <a:off x="0" y="0"/>
+          <a:ext cx="0" cy="0"/>
+          <a:chOff x="0" y="0"/>
+          <a:chExt cx="0" cy="0"/>
+        </a:xfrm>
+      </p:grpSpPr>
+      <p:sp>
+        <p:nvSpPr>
+          <p:cNvPr id="2" name="Title 1">
+            <a:extLst>
+              <a:ext uri="{FF2B5EF4-FFF2-40B4-BE49-F238E27FC236}">
+                <a16:creationId xmlns:a16="http://schemas.microsoft.com/office/drawing/2014/main" id="{A557B0A0-3D69-41B5-9D8F-AD6D23DF0DE4}"/>
+              </a:ext>
+            </a:extLst>
+          </p:cNvPr>
+          <p:cNvSpPr>
+            <a:spLocks noGrp="1"/>
+          </p:cNvSpPr>
+          <p:nvPr>
+            <p:ph type="title"/>
+          </p:nvPr>
+        </p:nvSpPr>
+        <p:spPr>
+          <a:xfrm>
+            <a:off x="595745" y="365126"/>
+            <a:ext cx="11312237" cy="746628"/>
+          </a:xfrm>
+        </p:spPr>
+        <p:txBody>
+          <a:bodyPr>
+            <a:noAutofit/>
+          </a:bodyPr>
+          <a:lstStyle/>
+          <a:p>
+            <a:r>
+              <a:rPr lang="en-US" sz="4000" dirty="0"/>
+              <a:t>Rust won’t allow mutation with an active reference</a:t>
+            </a:r>
+          </a:p>
+        </p:txBody>
+      </p:sp>
+      <p:sp>
+        <p:nvSpPr>
+          <p:cNvPr id="3" name="Slide Number Placeholder 2">
+            <a:extLst>
+              <a:ext uri="{FF2B5EF4-FFF2-40B4-BE49-F238E27FC236}">
+                <a16:creationId xmlns:a16="http://schemas.microsoft.com/office/drawing/2014/main" id="{5CFCE0A0-F804-4E49-AAE5-361E60374042}"/>
+              </a:ext>
+            </a:extLst>
+          </p:cNvPr>
+          <p:cNvSpPr>
+            <a:spLocks noGrp="1"/>
+          </p:cNvSpPr>
+          <p:nvPr>
+            <p:ph type="sldNum" sz="quarter" idx="12"/>
+          </p:nvPr>
+        </p:nvSpPr>
+        <p:spPr/>
+        <p:txBody>
+          <a:bodyPr/>
+          <a:lstStyle/>
+          <a:p>
+            <a:fld id="{519FA752-D1CF-498F-B0BD-05E47309CED3}" type="slidenum">
+              <a:rPr lang="en-US" smtClean="0"/>
+              <a:pPr/>
+              <a:t>6</a:t>
+            </a:fld>
+            <a:endParaRPr lang="en-US"/>
+          </a:p>
+        </p:txBody>
+      </p:sp>
+      <p:pic>
+        <p:nvPicPr>
+          <p:cNvPr id="4" name="Picture 3">
+            <a:extLst>
+              <a:ext uri="{FF2B5EF4-FFF2-40B4-BE49-F238E27FC236}">
+                <a16:creationId xmlns:a16="http://schemas.microsoft.com/office/drawing/2014/main" id="{F4D60E87-8BD7-4113-9A3C-9C0DF368CFFA}"/>
+              </a:ext>
+            </a:extLst>
+          </p:cNvPr>
+          <p:cNvPicPr>
+            <a:picLocks noChangeAspect="1"/>
+          </p:cNvPicPr>
+          <p:nvPr/>
+        </p:nvPicPr>
+        <p:blipFill>
+          <a:blip r:embed="rId2"/>
+          <a:stretch>
+            <a:fillRect/>
+          </a:stretch>
+        </p:blipFill>
+        <p:spPr>
+          <a:xfrm>
+            <a:off x="235532" y="1207152"/>
+            <a:ext cx="11720945" cy="5164401"/>
+          </a:xfrm>
+          <a:prstGeom prst="rect">
+            <a:avLst/>
+          </a:prstGeom>
+        </p:spPr>
+      </p:pic>
+    </p:spTree>
+    <p:extLst>
+      <p:ext uri="{BB962C8B-B14F-4D97-AF65-F5344CB8AC3E}">
+        <p14:creationId xmlns:p14="http://schemas.microsoft.com/office/powerpoint/2010/main" val="3171402402"/>
+      </p:ext>
+    </p:extLst>
+  </p:cSld>
+  <p:clrMapOvr>
+    <a:masterClrMapping/>
+  </p:clrMapOvr>
+</p:sld>
+</file>
+
+<file path=ppt/slides/slide7.xml><?xml version="1.0" encoding="utf-8"?>
+<p:sld xmlns:a="http://schemas.openxmlformats.org/drawingml/2006/main" xmlns:r="http://schemas.openxmlformats.org/officeDocument/2006/relationships" xmlns:p="http://schemas.openxmlformats.org/presentationml/2006/main">
+  <p:cSld>
+    <p:spTree>
+      <p:nvGrpSpPr>
+        <p:cNvPr id="1" name=""/>
+        <p:cNvGrpSpPr/>
+        <p:nvPr/>
+      </p:nvGrpSpPr>
+      <p:grpSpPr>
+        <a:xfrm>
+          <a:off x="0" y="0"/>
+          <a:ext cx="0" cy="0"/>
+          <a:chOff x="0" y="0"/>
+          <a:chExt cx="0" cy="0"/>
+        </a:xfrm>
+      </p:grpSpPr>
+      <p:sp>
+        <p:nvSpPr>
+          <p:cNvPr id="4" name="Title 3">
+            <a:extLst>
+              <a:ext uri="{FF2B5EF4-FFF2-40B4-BE49-F238E27FC236}">
+                <a16:creationId xmlns:a16="http://schemas.microsoft.com/office/drawing/2014/main" id="{B9560DD8-41B6-400C-8D7F-E9C00C8D9462}"/>
+              </a:ext>
+            </a:extLst>
+          </p:cNvPr>
+          <p:cNvSpPr>
+            <a:spLocks noGrp="1"/>
+          </p:cNvSpPr>
+          <p:nvPr>
+            <p:ph type="title"/>
+          </p:nvPr>
+        </p:nvSpPr>
+        <p:spPr/>
+        <p:txBody>
+          <a:bodyPr/>
+          <a:lstStyle/>
+          <a:p>
+            <a:r>
+              <a:rPr lang="en-US" dirty="0"/>
+              <a:t>In defense of C++ - Dangling Reference</a:t>
+            </a:r>
+          </a:p>
+        </p:txBody>
+      </p:sp>
+      <p:sp>
+        <p:nvSpPr>
+          <p:cNvPr id="5" name="Content Placeholder 4">
+            <a:extLst>
+              <a:ext uri="{FF2B5EF4-FFF2-40B4-BE49-F238E27FC236}">
+                <a16:creationId xmlns:a16="http://schemas.microsoft.com/office/drawing/2014/main" id="{DECFE5BF-A9FB-43C9-A030-8A127A1A3FE1}"/>
+              </a:ext>
+            </a:extLst>
+          </p:cNvPr>
+          <p:cNvSpPr>
+            <a:spLocks noGrp="1"/>
+          </p:cNvSpPr>
+          <p:nvPr>
+            <p:ph idx="1"/>
+          </p:nvPr>
+        </p:nvSpPr>
+        <p:spPr/>
+        <p:txBody>
+          <a:bodyPr/>
+          <a:lstStyle/>
+          <a:p>
+            <a:r>
+              <a:rPr lang="en-US" dirty="0"/>
+              <a:t>If we had used an iterator:</a:t>
+            </a:r>
+          </a:p>
+          <a:p>
+            <a:pPr lvl="1"/>
+            <a:r>
+              <a:rPr lang="en-US" sz="2000" dirty="0">
+                <a:solidFill>
+                  <a:srgbClr val="C00000"/>
+                </a:solidFill>
+                <a:latin typeface="Consolas" panose="020B0609020204030204" pitchFamily="49" charset="0"/>
+              </a:rPr>
+              <a:t>auto iter1 = ++</a:t>
+            </a:r>
+            <a:r>
+              <a:rPr lang="en-US" sz="2000" dirty="0" err="1">
+                <a:solidFill>
+                  <a:srgbClr val="C00000"/>
+                </a:solidFill>
+                <a:latin typeface="Consolas" panose="020B0609020204030204" pitchFamily="49" charset="0"/>
+              </a:rPr>
+              <a:t>v.begin</a:t>
+            </a:r>
+            <a:r>
+              <a:rPr lang="en-US" sz="2000" dirty="0">
+                <a:solidFill>
+                  <a:srgbClr val="C00000"/>
+                </a:solidFill>
+                <a:latin typeface="Consolas" panose="020B0609020204030204" pitchFamily="49" charset="0"/>
+              </a:rPr>
+              <a:t>();</a:t>
+            </a:r>
+          </a:p>
+          <a:p>
+            <a:pPr lvl="1"/>
+            <a:r>
+              <a:rPr lang="en-US" sz="2000" dirty="0" err="1">
+                <a:solidFill>
+                  <a:srgbClr val="C00000"/>
+                </a:solidFill>
+                <a:latin typeface="Consolas" panose="020B0609020204030204" pitchFamily="49" charset="0"/>
+              </a:rPr>
+              <a:t>v.push_back</a:t>
+            </a:r>
+            <a:r>
+              <a:rPr lang="en-US" sz="2000" dirty="0">
+                <a:solidFill>
+                  <a:srgbClr val="C00000"/>
+                </a:solidFill>
+                <a:latin typeface="Consolas" panose="020B0609020204030204" pitchFamily="49" charset="0"/>
+              </a:rPr>
+              <a:t>(4);</a:t>
+            </a:r>
+          </a:p>
+          <a:p>
+            <a:pPr lvl="1"/>
+            <a:r>
+              <a:rPr lang="en-US" sz="2000" dirty="0">
+                <a:solidFill>
+                  <a:srgbClr val="C00000"/>
+                </a:solidFill>
+                <a:latin typeface="Consolas" panose="020B0609020204030204" pitchFamily="49" charset="0"/>
+              </a:rPr>
+              <a:t>Std::</a:t>
+            </a:r>
+            <a:r>
+              <a:rPr lang="en-US" sz="2000" dirty="0" err="1">
+                <a:solidFill>
+                  <a:srgbClr val="C00000"/>
+                </a:solidFill>
+                <a:latin typeface="Consolas" panose="020B0609020204030204" pitchFamily="49" charset="0"/>
+              </a:rPr>
+              <a:t>cout</a:t>
+            </a:r>
+            <a:r>
+              <a:rPr lang="en-US" sz="2000" dirty="0">
+                <a:solidFill>
+                  <a:srgbClr val="C00000"/>
+                </a:solidFill>
+                <a:latin typeface="Consolas" panose="020B0609020204030204" pitchFamily="49" charset="0"/>
+              </a:rPr>
+              <a:t> &lt;&lt; *iter1; // throws exception – no undefined behavior</a:t>
+            </a:r>
+          </a:p>
+          <a:p>
+            <a:r>
+              <a:rPr lang="en-US" dirty="0"/>
+              <a:t>It is standard practice to access containers with iterators, so well-crafted C++ will not exhibit undefined behavior.</a:t>
+            </a:r>
+          </a:p>
+          <a:p>
+            <a:r>
+              <a:rPr lang="en-US" dirty="0"/>
+              <a:t>The difference:</a:t>
+            </a:r>
+          </a:p>
+          <a:p>
+            <a:pPr lvl="1"/>
+            <a:r>
+              <a:rPr lang="en-US" dirty="0"/>
+              <a:t>With Rust you can’t get undefined behavior (UB) – most often programs fail to compile if they would have UB.</a:t>
+            </a:r>
+          </a:p>
+          <a:p>
+            <a:pPr lvl="1"/>
+            <a:r>
+              <a:rPr lang="en-US" dirty="0"/>
+              <a:t>C++ code has to be well-crafted to avoid UB, errors are discovered at run-time, not compile-time.</a:t>
+            </a:r>
+          </a:p>
+        </p:txBody>
+      </p:sp>
+      <p:sp>
+        <p:nvSpPr>
+          <p:cNvPr id="3" name="Slide Number Placeholder 2">
+            <a:extLst>
+              <a:ext uri="{FF2B5EF4-FFF2-40B4-BE49-F238E27FC236}">
+                <a16:creationId xmlns:a16="http://schemas.microsoft.com/office/drawing/2014/main" id="{A7781BDD-CD97-4F97-A8B0-1F01666C436F}"/>
+              </a:ext>
+            </a:extLst>
+          </p:cNvPr>
+          <p:cNvSpPr>
+            <a:spLocks noGrp="1"/>
+          </p:cNvSpPr>
+          <p:nvPr>
+            <p:ph type="sldNum" sz="quarter" idx="12"/>
+          </p:nvPr>
+        </p:nvSpPr>
+        <p:spPr/>
+        <p:txBody>
+          <a:bodyPr/>
+          <a:lstStyle/>
+          <a:p>
+            <a:fld id="{519FA752-D1CF-498F-B0BD-05E47309CED3}" type="slidenum">
+              <a:rPr lang="en-US" smtClean="0"/>
+              <a:pPr/>
+              <a:t>7</a:t>
+            </a:fld>
+            <a:endParaRPr lang="en-US"/>
+          </a:p>
+        </p:txBody>
+      </p:sp>
+    </p:spTree>
+    <p:extLst>
+      <p:ext uri="{BB962C8B-B14F-4D97-AF65-F5344CB8AC3E}">
+        <p14:creationId xmlns:p14="http://schemas.microsoft.com/office/powerpoint/2010/main" val="694392088"/>
+      </p:ext>
+    </p:extLst>
+  </p:cSld>
+  <p:clrMapOvr>
+    <a:masterClrMapping/>
+  </p:clrMapOvr>
+</p:sld>
+</file>
+
+<file path=ppt/slides/slide8.xml><?xml version="1.0" encoding="utf-8"?>
+<p:sld xmlns:a="http://schemas.openxmlformats.org/drawingml/2006/main" xmlns:r="http://schemas.openxmlformats.org/officeDocument/2006/relationships" xmlns:p="http://schemas.openxmlformats.org/presentationml/2006/main">
+  <p:cSld>
+    <p:spTree>
+      <p:nvGrpSpPr>
+        <p:cNvPr id="1" name=""/>
+        <p:cNvGrpSpPr/>
+        <p:nvPr/>
+      </p:nvGrpSpPr>
+      <p:grpSpPr>
+        <a:xfrm>
+          <a:off x="0" y="0"/>
+          <a:ext cx="0" cy="0"/>
+          <a:chOff x="0" y="0"/>
+          <a:chExt cx="0" cy="0"/>
+        </a:xfrm>
+      </p:grpSpPr>
+      <p:sp>
+        <p:nvSpPr>
+          <p:cNvPr id="4" name="Title 3">
+            <a:extLst>
+              <a:ext uri="{FF2B5EF4-FFF2-40B4-BE49-F238E27FC236}">
+                <a16:creationId xmlns:a16="http://schemas.microsoft.com/office/drawing/2014/main" id="{B9560DD8-41B6-400C-8D7F-E9C00C8D9462}"/>
+              </a:ext>
+            </a:extLst>
+          </p:cNvPr>
+          <p:cNvSpPr>
+            <a:spLocks noGrp="1"/>
+          </p:cNvSpPr>
+          <p:nvPr>
+            <p:ph type="title"/>
+          </p:nvPr>
+        </p:nvSpPr>
+        <p:spPr/>
+        <p:txBody>
+          <a:bodyPr/>
+          <a:lstStyle/>
+          <a:p>
+            <a:r>
+              <a:rPr lang="en-US" dirty="0"/>
+              <a:t>In defense of C++ - Index out of Bounds </a:t>
+            </a:r>
+          </a:p>
+        </p:txBody>
+      </p:sp>
+      <p:sp>
+        <p:nvSpPr>
+          <p:cNvPr id="5" name="Content Placeholder 4">
+            <a:extLst>
+              <a:ext uri="{FF2B5EF4-FFF2-40B4-BE49-F238E27FC236}">
+                <a16:creationId xmlns:a16="http://schemas.microsoft.com/office/drawing/2014/main" id="{DECFE5BF-A9FB-43C9-A030-8A127A1A3FE1}"/>
+              </a:ext>
+            </a:extLst>
+          </p:cNvPr>
+          <p:cNvSpPr>
+            <a:spLocks noGrp="1"/>
+          </p:cNvSpPr>
+          <p:nvPr>
+            <p:ph idx="1"/>
+          </p:nvPr>
+        </p:nvSpPr>
+        <p:spPr/>
+        <p:txBody>
+          <a:bodyPr/>
+          <a:lstStyle/>
+          <a:p>
+            <a:r>
+              <a:rPr lang="en-US" dirty="0"/>
+              <a:t>If we had used a range-based for loop:</a:t>
+            </a:r>
+          </a:p>
+          <a:p>
+            <a:pPr lvl="1"/>
+            <a:r>
+              <a:rPr lang="en-US" sz="2000" dirty="0">
+                <a:solidFill>
+                  <a:srgbClr val="C00000"/>
+                </a:solidFill>
+                <a:latin typeface="Consolas" panose="020B0609020204030204" pitchFamily="49" charset="0"/>
+              </a:rPr>
+              <a:t>for(auto item : array) {</a:t>
+            </a:r>
+            <a:br>
+              <a:rPr lang="en-US" sz="2000" dirty="0">
+                <a:solidFill>
+                  <a:srgbClr val="C00000"/>
+                </a:solidFill>
+                <a:latin typeface="Consolas" panose="020B0609020204030204" pitchFamily="49" charset="0"/>
+              </a:rPr>
+            </a:br>
+            <a:r>
+              <a:rPr lang="en-US" sz="2000" dirty="0">
+                <a:solidFill>
+                  <a:srgbClr val="C00000"/>
+                </a:solidFill>
+                <a:latin typeface="Consolas" panose="020B0609020204030204" pitchFamily="49" charset="0"/>
+              </a:rPr>
+              <a:t>    std::</a:t>
+            </a:r>
+            <a:r>
+              <a:rPr lang="en-US" sz="2000" dirty="0" err="1">
+                <a:solidFill>
+                  <a:srgbClr val="C00000"/>
+                </a:solidFill>
+                <a:latin typeface="Consolas" panose="020B0609020204030204" pitchFamily="49" charset="0"/>
+              </a:rPr>
+              <a:t>cout</a:t>
+            </a:r>
+            <a:r>
+              <a:rPr lang="en-US" sz="2000" dirty="0">
+                <a:solidFill>
+                  <a:srgbClr val="C00000"/>
+                </a:solidFill>
+                <a:latin typeface="Consolas" panose="020B0609020204030204" pitchFamily="49" charset="0"/>
+              </a:rPr>
+              <a:t> &lt;&lt; item &lt;&lt; “ “;</a:t>
+            </a:r>
+            <a:br>
+              <a:rPr lang="en-US" sz="2000" dirty="0">
+                <a:solidFill>
+                  <a:srgbClr val="C00000"/>
+                </a:solidFill>
+                <a:latin typeface="Consolas" panose="020B0609020204030204" pitchFamily="49" charset="0"/>
+              </a:rPr>
+            </a:br>
+            <a:r>
+              <a:rPr lang="en-US" sz="2000" dirty="0">
+                <a:solidFill>
+                  <a:srgbClr val="C00000"/>
+                </a:solidFill>
+                <a:latin typeface="Consolas" panose="020B0609020204030204" pitchFamily="49" charset="0"/>
+              </a:rPr>
+              <a:t>}</a:t>
+            </a:r>
+          </a:p>
+          <a:p>
+            <a:pPr marL="0" indent="0">
+              <a:buNone/>
+            </a:pPr>
+            <a:r>
+              <a:rPr lang="en-US" dirty="0"/>
+              <a:t>   there is no chance of out-of-bounds indexing</a:t>
+            </a:r>
+          </a:p>
+          <a:p>
+            <a:r>
+              <a:rPr lang="en-US" dirty="0"/>
+              <a:t>It is standard practice to traverse containers with range-based for loops, so well-crafted C++ will not exhibit undefined behavior.</a:t>
+            </a:r>
+          </a:p>
+          <a:p>
+            <a:r>
+              <a:rPr lang="en-US" dirty="0"/>
+              <a:t>The difference:</a:t>
+            </a:r>
+          </a:p>
+          <a:p>
+            <a:pPr lvl="1"/>
+            <a:r>
+              <a:rPr lang="en-US" dirty="0"/>
+              <a:t>With Rust you can’t get undefined behavior (UB) – out of bounds index causes panic (exit) with no chance to access unowned memory.</a:t>
+            </a:r>
+          </a:p>
+          <a:p>
+            <a:pPr lvl="1"/>
+            <a:r>
+              <a:rPr lang="en-US" dirty="0"/>
+              <a:t>C++ code has to be well-crafted, using standard idioms, to avoid UB.</a:t>
+            </a:r>
+          </a:p>
+        </p:txBody>
+      </p:sp>
+      <p:sp>
+        <p:nvSpPr>
+          <p:cNvPr id="3" name="Slide Number Placeholder 2">
+            <a:extLst>
+              <a:ext uri="{FF2B5EF4-FFF2-40B4-BE49-F238E27FC236}">
+                <a16:creationId xmlns:a16="http://schemas.microsoft.com/office/drawing/2014/main" id="{A7781BDD-CD97-4F97-A8B0-1F01666C436F}"/>
+              </a:ext>
+            </a:extLst>
+          </p:cNvPr>
+          <p:cNvSpPr>
+            <a:spLocks noGrp="1"/>
+          </p:cNvSpPr>
+          <p:nvPr>
+            <p:ph type="sldNum" sz="quarter" idx="12"/>
+          </p:nvPr>
+        </p:nvSpPr>
+        <p:spPr/>
+        <p:txBody>
+          <a:bodyPr/>
+          <a:lstStyle/>
+          <a:p>
+            <a:fld id="{519FA752-D1CF-498F-B0BD-05E47309CED3}" type="slidenum">
+              <a:rPr lang="en-US" smtClean="0"/>
+              <a:pPr/>
+              <a:t>8</a:t>
+            </a:fld>
+            <a:endParaRPr lang="en-US"/>
+          </a:p>
+        </p:txBody>
+      </p:sp>
+    </p:spTree>
+    <p:extLst>
+      <p:ext uri="{BB962C8B-B14F-4D97-AF65-F5344CB8AC3E}">
+        <p14:creationId xmlns:p14="http://schemas.microsoft.com/office/powerpoint/2010/main" val="2546143857"/>
+      </p:ext>
+    </p:extLst>
+  </p:cSld>
+  <p:clrMapOvr>
+    <a:masterClrMapping/>
+  </p:clrMapOvr>
+</p:sld>
+</file>
+
+<file path=ppt/slides/slide9.xml><?xml version="1.0" encoding="utf-8"?>
+<p:sld xmlns:a="http://schemas.openxmlformats.org/drawingml/2006/main" xmlns:r="http://schemas.openxmlformats.org/officeDocument/2006/relationships" xmlns:p="http://schemas.openxmlformats.org/presentationml/2006/main">
+  <p:cSld>
+    <p:spTree>
+      <p:nvGrpSpPr>
+        <p:cNvPr id="1" name=""/>
+        <p:cNvGrpSpPr/>
+        <p:nvPr/>
+      </p:nvGrpSpPr>
+      <p:grpSpPr>
+        <a:xfrm>
+          <a:off x="0" y="0"/>
+          <a:ext cx="0" cy="0"/>
+          <a:chOff x="0" y="0"/>
+          <a:chExt cx="0" cy="0"/>
+        </a:xfrm>
+      </p:grpSpPr>
+      <p:sp>
+        <p:nvSpPr>
+          <p:cNvPr id="4" name="Title 3">
+            <a:extLst>
+              <a:ext uri="{FF2B5EF4-FFF2-40B4-BE49-F238E27FC236}">
+                <a16:creationId xmlns:a16="http://schemas.microsoft.com/office/drawing/2014/main" id="{73BABAF7-8AE7-4451-A043-2FFDD6E6F52E}"/>
+              </a:ext>
+            </a:extLst>
+          </p:cNvPr>
+          <p:cNvSpPr>
+            <a:spLocks noGrp="1"/>
+          </p:cNvSpPr>
+          <p:nvPr>
+            <p:ph type="title"/>
+          </p:nvPr>
+        </p:nvSpPr>
+        <p:spPr/>
+        <p:txBody>
+          <a:bodyPr/>
+          <a:lstStyle/>
+          <a:p>
+            <a:r>
+              <a:rPr lang="en-US" dirty="0"/>
+              <a:t>Why Rust?</a:t>
+            </a:r>
+          </a:p>
+        </p:txBody>
+      </p:sp>
+      <p:sp>
+        <p:nvSpPr>
+          <p:cNvPr id="5" name="Content Placeholder 4">
+            <a:extLst>
+              <a:ext uri="{FF2B5EF4-FFF2-40B4-BE49-F238E27FC236}">
+                <a16:creationId xmlns:a16="http://schemas.microsoft.com/office/drawing/2014/main" id="{12BD0350-4784-485D-8A2B-BBB303BB8ECB}"/>
+              </a:ext>
+            </a:extLst>
+          </p:cNvPr>
+          <p:cNvSpPr>
+            <a:spLocks noGrp="1"/>
+          </p:cNvSpPr>
+          <p:nvPr>
+            <p:ph idx="1"/>
+          </p:nvPr>
+        </p:nvSpPr>
+        <p:spPr>
+          <a:xfrm>
+            <a:off x="838200" y="1191491"/>
+            <a:ext cx="10515600" cy="4998628"/>
+          </a:xfrm>
+        </p:spPr>
+        <p:txBody>
+          <a:bodyPr/>
+          <a:lstStyle/>
+          <a:p>
+            <a:r>
+              <a:rPr lang="en-US" dirty="0"/>
+              <a:t>Memory Safety</a:t>
+            </a:r>
+          </a:p>
+          <a:p>
+            <a:pPr lvl="1"/>
+            <a:r>
+              <a:rPr lang="en-US" dirty="0"/>
+              <a:t>No dangling pointers or null references</a:t>
+            </a:r>
+          </a:p>
+          <a:p>
+            <a:pPr lvl="1"/>
+            <a:r>
+              <a:rPr lang="en-US" dirty="0"/>
+              <a:t>No reading or writing to unowned memory</a:t>
+            </a:r>
+          </a:p>
+          <a:p>
+            <a:pPr lvl="1"/>
+            <a:r>
+              <a:rPr lang="en-US" dirty="0"/>
+              <a:t>Rust’s type system enforces sane ownership policies.</a:t>
+            </a:r>
+          </a:p>
+          <a:p>
+            <a:r>
+              <a:rPr lang="en-US" dirty="0"/>
+              <a:t>No Data Races</a:t>
+            </a:r>
+          </a:p>
+          <a:p>
+            <a:pPr lvl="1"/>
+            <a:r>
+              <a:rPr lang="en-US" dirty="0"/>
+              <a:t>The same ownership policies applied to thread interactions ensures data race free operation</a:t>
+            </a:r>
+          </a:p>
+          <a:p>
+            <a:r>
+              <a:rPr lang="en-US" dirty="0"/>
+              <a:t>Performance</a:t>
+            </a:r>
+          </a:p>
+          <a:p>
+            <a:pPr lvl="1"/>
+            <a:r>
+              <a:rPr lang="en-US" dirty="0"/>
+              <a:t>As fast as C and C++</a:t>
+            </a:r>
+          </a:p>
+          <a:p>
+            <a:r>
+              <a:rPr lang="en-US" dirty="0"/>
+              <a:t>Abstraction without Overhead</a:t>
+            </a:r>
+          </a:p>
+          <a:p>
+            <a:pPr lvl="1"/>
+            <a:r>
+              <a:rPr lang="en-US" dirty="0"/>
+              <a:t>Traits and Trait objects</a:t>
+            </a:r>
+          </a:p>
+          <a:p>
+            <a:pPr lvl="1"/>
+            <a:r>
+              <a:rPr lang="en-US" dirty="0"/>
+              <a:t>In the same ballpark as C++</a:t>
+            </a:r>
+          </a:p>
+        </p:txBody>
+      </p:sp>
+      <p:sp>
+        <p:nvSpPr>
+          <p:cNvPr id="3" name="Slide Number Placeholder 2">
+            <a:extLst>
+              <a:ext uri="{FF2B5EF4-FFF2-40B4-BE49-F238E27FC236}">
+                <a16:creationId xmlns:a16="http://schemas.microsoft.com/office/drawing/2014/main" id="{10A58F19-529D-4C73-B513-2F939967C5D5}"/>
+              </a:ext>
+            </a:extLst>
+          </p:cNvPr>
+          <p:cNvSpPr>
+            <a:spLocks noGrp="1"/>
+          </p:cNvSpPr>
+          <p:nvPr>
+            <p:ph type="sldNum" sz="quarter" idx="12"/>
+          </p:nvPr>
+        </p:nvSpPr>
+        <p:spPr/>
+        <p:txBody>
+          <a:bodyPr/>
+          <a:lstStyle/>
+          <a:p>
+            <a:fld id="{519FA752-D1CF-498F-B0BD-05E47309CED3}" type="slidenum">
+              <a:rPr lang="en-US" smtClean="0"/>
+              <a:pPr/>
+              <a:t>9</a:t>
+            </a:fld>
+            <a:endParaRPr lang="en-US"/>
+          </a:p>
+        </p:txBody>
+      </p:sp>
+    </p:spTree>
+    <p:extLst>
+      <p:ext uri="{BB962C8B-B14F-4D97-AF65-F5344CB8AC3E}">
+        <p14:creationId xmlns:p14="http://schemas.microsoft.com/office/powerpoint/2010/main" val="4238909832"/>
       </p:ext>
     </p:extLst>
   </p:cSld>

--- a/Resources/ConsumingRustBite2.pptx
+++ b/Resources/ConsumingRustBite2.pptx
@@ -3451,6 +3451,276 @@
           </a:p>
         </p:txBody>
       </p:sp>
+      <p:sp>
+        <p:nvSpPr>
+          <p:cNvPr id="5" name="TextBox 3">
+            <a:extLst>
+              <a:ext uri="{FF2B5EF4-FFF2-40B4-BE49-F238E27FC236}">
+                <a16:creationId xmlns:a16="http://schemas.microsoft.com/office/drawing/2014/main" id="{99CD2AC9-5C0E-45F1-BED3-D16783B15805}"/>
+              </a:ext>
+            </a:extLst>
+          </p:cNvPr>
+          <p:cNvSpPr txBox="1"/>
+          <p:nvPr/>
+        </p:nvSpPr>
+        <p:spPr>
+          <a:xfrm>
+            <a:off x="10571441" y="6226296"/>
+            <a:ext cx="970240" cy="400110"/>
+          </a:xfrm>
+          <a:prstGeom prst="rect">
+            <a:avLst/>
+          </a:prstGeom>
+          <a:noFill/>
+        </p:spPr>
+        <p:txBody>
+          <a:bodyPr wrap="square" rtlCol="0">
+            <a:spAutoFit/>
+          </a:bodyPr>
+          <a:lstStyle>
+            <a:defPPr>
+              <a:defRPr lang="en-US"/>
+            </a:defPPr>
+            <a:lvl1pPr marL="0" algn="l" defTabSz="914400" rtl="0" eaLnBrk="1" latinLnBrk="0" hangingPunct="1">
+              <a:defRPr sz="1800" kern="1200">
+                <a:solidFill>
+                  <a:schemeClr val="tx1"/>
+                </a:solidFill>
+                <a:latin typeface="+mn-lt"/>
+                <a:ea typeface="+mn-ea"/>
+                <a:cs typeface="+mn-cs"/>
+              </a:defRPr>
+            </a:lvl1pPr>
+            <a:lvl2pPr marL="457200" algn="l" defTabSz="914400" rtl="0" eaLnBrk="1" latinLnBrk="0" hangingPunct="1">
+              <a:defRPr sz="1800" kern="1200">
+                <a:solidFill>
+                  <a:schemeClr val="tx1"/>
+                </a:solidFill>
+                <a:latin typeface="+mn-lt"/>
+                <a:ea typeface="+mn-ea"/>
+                <a:cs typeface="+mn-cs"/>
+              </a:defRPr>
+            </a:lvl2pPr>
+            <a:lvl3pPr marL="914400" algn="l" defTabSz="914400" rtl="0" eaLnBrk="1" latinLnBrk="0" hangingPunct="1">
+              <a:defRPr sz="1800" kern="1200">
+                <a:solidFill>
+                  <a:schemeClr val="tx1"/>
+                </a:solidFill>
+                <a:latin typeface="+mn-lt"/>
+                <a:ea typeface="+mn-ea"/>
+                <a:cs typeface="+mn-cs"/>
+              </a:defRPr>
+            </a:lvl3pPr>
+            <a:lvl4pPr marL="1371600" algn="l" defTabSz="914400" rtl="0" eaLnBrk="1" latinLnBrk="0" hangingPunct="1">
+              <a:defRPr sz="1800" kern="1200">
+                <a:solidFill>
+                  <a:schemeClr val="tx1"/>
+                </a:solidFill>
+                <a:latin typeface="+mn-lt"/>
+                <a:ea typeface="+mn-ea"/>
+                <a:cs typeface="+mn-cs"/>
+              </a:defRPr>
+            </a:lvl4pPr>
+            <a:lvl5pPr marL="1828800" algn="l" defTabSz="914400" rtl="0" eaLnBrk="1" latinLnBrk="0" hangingPunct="1">
+              <a:defRPr sz="1800" kern="1200">
+                <a:solidFill>
+                  <a:schemeClr val="tx1"/>
+                </a:solidFill>
+                <a:latin typeface="+mn-lt"/>
+                <a:ea typeface="+mn-ea"/>
+                <a:cs typeface="+mn-cs"/>
+              </a:defRPr>
+            </a:lvl5pPr>
+            <a:lvl6pPr marL="2286000" algn="l" defTabSz="914400" rtl="0" eaLnBrk="1" latinLnBrk="0" hangingPunct="1">
+              <a:defRPr sz="1800" kern="1200">
+                <a:solidFill>
+                  <a:schemeClr val="tx1"/>
+                </a:solidFill>
+                <a:latin typeface="+mn-lt"/>
+                <a:ea typeface="+mn-ea"/>
+                <a:cs typeface="+mn-cs"/>
+              </a:defRPr>
+            </a:lvl6pPr>
+            <a:lvl7pPr marL="2743200" algn="l" defTabSz="914400" rtl="0" eaLnBrk="1" latinLnBrk="0" hangingPunct="1">
+              <a:defRPr sz="1800" kern="1200">
+                <a:solidFill>
+                  <a:schemeClr val="tx1"/>
+                </a:solidFill>
+                <a:latin typeface="+mn-lt"/>
+                <a:ea typeface="+mn-ea"/>
+                <a:cs typeface="+mn-cs"/>
+              </a:defRPr>
+            </a:lvl7pPr>
+            <a:lvl8pPr marL="3200400" algn="l" defTabSz="914400" rtl="0" eaLnBrk="1" latinLnBrk="0" hangingPunct="1">
+              <a:defRPr sz="1800" kern="1200">
+                <a:solidFill>
+                  <a:schemeClr val="tx1"/>
+                </a:solidFill>
+                <a:latin typeface="+mn-lt"/>
+                <a:ea typeface="+mn-ea"/>
+                <a:cs typeface="+mn-cs"/>
+              </a:defRPr>
+            </a:lvl8pPr>
+            <a:lvl9pPr marL="3657600" algn="l" defTabSz="914400" rtl="0" eaLnBrk="1" latinLnBrk="0" hangingPunct="1">
+              <a:defRPr sz="1800" kern="1200">
+                <a:solidFill>
+                  <a:schemeClr val="tx1"/>
+                </a:solidFill>
+                <a:latin typeface="+mn-lt"/>
+                <a:ea typeface="+mn-ea"/>
+                <a:cs typeface="+mn-cs"/>
+              </a:defRPr>
+            </a:lvl9pPr>
+          </a:lstStyle>
+          <a:p>
+            <a:r>
+              <a:rPr lang="en-US" sz="2000" dirty="0">
+                <a:hlinkClick r:id="rId2"/>
+              </a:rPr>
+              <a:t>Bite #3</a:t>
+            </a:r>
+            <a:r>
+              <a:rPr lang="en-US" sz="2000" dirty="0"/>
+              <a:t> </a:t>
+            </a:r>
+          </a:p>
+        </p:txBody>
+      </p:sp>
+      <p:sp>
+        <p:nvSpPr>
+          <p:cNvPr id="6" name="TextBox 3">
+            <a:extLst>
+              <a:ext uri="{FF2B5EF4-FFF2-40B4-BE49-F238E27FC236}">
+                <a16:creationId xmlns:a16="http://schemas.microsoft.com/office/drawing/2014/main" id="{EE5E7946-B24E-4757-95F8-F047A5C465C7}"/>
+              </a:ext>
+            </a:extLst>
+          </p:cNvPr>
+          <p:cNvSpPr txBox="1"/>
+          <p:nvPr/>
+        </p:nvSpPr>
+        <p:spPr>
+          <a:xfrm>
+            <a:off x="812024" y="6109379"/>
+            <a:ext cx="970240" cy="400110"/>
+          </a:xfrm>
+          <a:prstGeom prst="rect">
+            <a:avLst/>
+          </a:prstGeom>
+          <a:noFill/>
+        </p:spPr>
+        <p:txBody>
+          <a:bodyPr wrap="square" rtlCol="0">
+            <a:spAutoFit/>
+          </a:bodyPr>
+          <a:lstStyle>
+            <a:defPPr>
+              <a:defRPr lang="en-US"/>
+            </a:defPPr>
+            <a:lvl1pPr marL="0" algn="l" defTabSz="914400" rtl="0" eaLnBrk="1" latinLnBrk="0" hangingPunct="1">
+              <a:defRPr sz="1800" kern="1200">
+                <a:solidFill>
+                  <a:schemeClr val="tx1"/>
+                </a:solidFill>
+                <a:latin typeface="+mn-lt"/>
+                <a:ea typeface="+mn-ea"/>
+                <a:cs typeface="+mn-cs"/>
+              </a:defRPr>
+            </a:lvl1pPr>
+            <a:lvl2pPr marL="457200" algn="l" defTabSz="914400" rtl="0" eaLnBrk="1" latinLnBrk="0" hangingPunct="1">
+              <a:defRPr sz="1800" kern="1200">
+                <a:solidFill>
+                  <a:schemeClr val="tx1"/>
+                </a:solidFill>
+                <a:latin typeface="+mn-lt"/>
+                <a:ea typeface="+mn-ea"/>
+                <a:cs typeface="+mn-cs"/>
+              </a:defRPr>
+            </a:lvl2pPr>
+            <a:lvl3pPr marL="914400" algn="l" defTabSz="914400" rtl="0" eaLnBrk="1" latinLnBrk="0" hangingPunct="1">
+              <a:defRPr sz="1800" kern="1200">
+                <a:solidFill>
+                  <a:schemeClr val="tx1"/>
+                </a:solidFill>
+                <a:latin typeface="+mn-lt"/>
+                <a:ea typeface="+mn-ea"/>
+                <a:cs typeface="+mn-cs"/>
+              </a:defRPr>
+            </a:lvl3pPr>
+            <a:lvl4pPr marL="1371600" algn="l" defTabSz="914400" rtl="0" eaLnBrk="1" latinLnBrk="0" hangingPunct="1">
+              <a:defRPr sz="1800" kern="1200">
+                <a:solidFill>
+                  <a:schemeClr val="tx1"/>
+                </a:solidFill>
+                <a:latin typeface="+mn-lt"/>
+                <a:ea typeface="+mn-ea"/>
+                <a:cs typeface="+mn-cs"/>
+              </a:defRPr>
+            </a:lvl4pPr>
+            <a:lvl5pPr marL="1828800" algn="l" defTabSz="914400" rtl="0" eaLnBrk="1" latinLnBrk="0" hangingPunct="1">
+              <a:defRPr sz="1800" kern="1200">
+                <a:solidFill>
+                  <a:schemeClr val="tx1"/>
+                </a:solidFill>
+                <a:latin typeface="+mn-lt"/>
+                <a:ea typeface="+mn-ea"/>
+                <a:cs typeface="+mn-cs"/>
+              </a:defRPr>
+            </a:lvl5pPr>
+            <a:lvl6pPr marL="2286000" algn="l" defTabSz="914400" rtl="0" eaLnBrk="1" latinLnBrk="0" hangingPunct="1">
+              <a:defRPr sz="1800" kern="1200">
+                <a:solidFill>
+                  <a:schemeClr val="tx1"/>
+                </a:solidFill>
+                <a:latin typeface="+mn-lt"/>
+                <a:ea typeface="+mn-ea"/>
+                <a:cs typeface="+mn-cs"/>
+              </a:defRPr>
+            </a:lvl6pPr>
+            <a:lvl7pPr marL="2743200" algn="l" defTabSz="914400" rtl="0" eaLnBrk="1" latinLnBrk="0" hangingPunct="1">
+              <a:defRPr sz="1800" kern="1200">
+                <a:solidFill>
+                  <a:schemeClr val="tx1"/>
+                </a:solidFill>
+                <a:latin typeface="+mn-lt"/>
+                <a:ea typeface="+mn-ea"/>
+                <a:cs typeface="+mn-cs"/>
+              </a:defRPr>
+            </a:lvl7pPr>
+            <a:lvl8pPr marL="3200400" algn="l" defTabSz="914400" rtl="0" eaLnBrk="1" latinLnBrk="0" hangingPunct="1">
+              <a:defRPr sz="1800" kern="1200">
+                <a:solidFill>
+                  <a:schemeClr val="tx1"/>
+                </a:solidFill>
+                <a:latin typeface="+mn-lt"/>
+                <a:ea typeface="+mn-ea"/>
+                <a:cs typeface="+mn-cs"/>
+              </a:defRPr>
+            </a:lvl8pPr>
+            <a:lvl9pPr marL="3657600" algn="l" defTabSz="914400" rtl="0" eaLnBrk="1" latinLnBrk="0" hangingPunct="1">
+              <a:defRPr sz="1800" kern="1200">
+                <a:solidFill>
+                  <a:schemeClr val="tx1"/>
+                </a:solidFill>
+                <a:latin typeface="+mn-lt"/>
+                <a:ea typeface="+mn-ea"/>
+                <a:cs typeface="+mn-cs"/>
+              </a:defRPr>
+            </a:lvl9pPr>
+          </a:lstStyle>
+          <a:p>
+            <a:r>
+              <a:rPr lang="en-US" sz="2000" dirty="0">
+                <a:hlinkClick r:id="rId3"/>
+              </a:rPr>
+              <a:t>Bite #1</a:t>
+            </a:r>
+            <a:r>
+              <a:rPr lang="en-US" sz="2000" dirty="0"/>
+              <a:t> </a:t>
+            </a:r>
+          </a:p>
+        </p:txBody>
+      </p:sp>
     </p:spTree>
     <p:extLst>
       <p:ext uri="{BB962C8B-B14F-4D97-AF65-F5344CB8AC3E}">
